--- a/results/2020/February/finalreport.pptx
+++ b/results/2020/February/finalreport.pptx
@@ -58,6 +58,7 @@
     <p:sldId id="306" r:id="rId58"/>
     <p:sldId id="307" r:id="rId59"/>
     <p:sldId id="308" r:id="rId60"/>
+    <p:sldId id="309" r:id="rId61"/>
   </p:sldIdLst>
   <p:sldSz cx="9144000" cy="6858000" type="screen4x3"/>
   <p:notesSz cx="6858000" cy="9144000"/>
@@ -2622,12 +2623,12 @@
       </p:grpSpPr>
       <p:pic xmlns:a="http://schemas.openxmlformats.org/drawingml/2006/main" xmlns:r="http://schemas.openxmlformats.org/officeDocument/2006/relationships" xmlns:p="http://schemas.openxmlformats.org/presentationml/2006/main">
         <p:nvPicPr>
-          <p:cNvPr id="2" name=""/>
+          <p:cNvPr id="2" name="Title 1"/>
           <p:cNvPicPr>
             <a:picLocks noGrp="1"/>
           </p:cNvPicPr>
           <p:nvPr>
-            <p:ph/>
+            <p:ph type="title"/>
           </p:nvPr>
         </p:nvPicPr>
         <p:blipFill>
@@ -2638,8 +2639,8 @@
         </p:blipFill>
         <p:spPr>
           <a:xfrm>
-            <a:off x="0" y="0"/>
-            <a:ext cx="9144000" cy="6858000"/>
+            <a:off x="457200" y="274638"/>
+            <a:ext cx="8686800" cy="6858000"/>
           </a:xfrm>
         </p:spPr>
       </p:pic>
@@ -3780,12 +3781,12 @@
       </p:grpSpPr>
       <p:pic xmlns:a="http://schemas.openxmlformats.org/drawingml/2006/main" xmlns:r="http://schemas.openxmlformats.org/officeDocument/2006/relationships" xmlns:p="http://schemas.openxmlformats.org/presentationml/2006/main">
         <p:nvPicPr>
-          <p:cNvPr id="2" name=""/>
+          <p:cNvPr id="2" name="Title 1"/>
           <p:cNvPicPr>
             <a:picLocks noGrp="1"/>
           </p:cNvPicPr>
           <p:nvPr>
-            <p:ph/>
+            <p:ph type="title"/>
           </p:nvPr>
         </p:nvPicPr>
         <p:blipFill>
@@ -3796,8 +3797,8 @@
         </p:blipFill>
         <p:spPr>
           <a:xfrm>
-            <a:off x="0" y="0"/>
-            <a:ext cx="9144000" cy="6858000"/>
+            <a:off x="457200" y="274638"/>
+            <a:ext cx="6373368" cy="6858000"/>
           </a:xfrm>
         </p:spPr>
       </p:pic>
@@ -5633,7 +5634,7 @@
                           <a:latin typeface="Arial"/>
                           <a:cs typeface="Arial"/>
                         </a:rPr>
-                        <a:t>$10,938</a:t>
+                        <a:t>$7,959</a:t>
                       </a:r>
                     </a:p>
                   </a:txBody>
@@ -5696,7 +5697,7 @@
                           <a:latin typeface="Arial"/>
                           <a:cs typeface="Arial"/>
                         </a:rPr>
-                        <a:t>2</a:t>
+                        <a:t>3</a:t>
                       </a:r>
                     </a:p>
                   </a:txBody>
@@ -5790,197 +5791,6 @@
                       </a:solidFill>
                       <a:prstDash val="solid"/>
                     </a:lnT>
-                    <a:lnB w="0" cmpd="sng" algn="ctr" cap="flat">
-                      <a:solidFill>
-                        <a:srgbClr val="FFFFFF">
-                          <a:alpha val="0"/>
-                        </a:srgbClr>
-                      </a:solidFill>
-                      <a:prstDash val="solid"/>
-                    </a:lnB>
-                  </a:tcPr>
-                </a:tc>
-                <a:tc>
-                  <a:txBody>
-                    <a:bodyPr/>
-                    <a:lstStyle/>
-                    <a:p>
-                      <a:pPr algn="r" marL="63500" marR="63500">
-                        <a:spcBef>
-                          <a:spcPts val="200"/>
-                        </a:spcBef>
-                        <a:spcAft>
-                          <a:spcPts val="200"/>
-                        </a:spcAft>
-                        <a:buNone/>
-                      </a:pPr>
-                      <a:r>
-                        <a:rPr sz="1100">
-                          <a:solidFill>
-                            <a:srgbClr val="111111">
-                              <a:alpha val="100000"/>
-                            </a:srgbClr>
-                          </a:solidFill>
-                          <a:latin typeface="Arial"/>
-                          <a:cs typeface="Arial"/>
-                        </a:rPr>
-                        <a:t>$17,867</a:t>
-                      </a:r>
-                    </a:p>
-                  </a:txBody>
-                  <a:tcPr anchor="ctr" marB="0" marT="0" marR="0" marL="0">
-                    <a:lnL w="0" cmpd="sng" algn="ctr" cap="flat">
-                      <a:solidFill>
-                        <a:srgbClr val="FFFFFF">
-                          <a:alpha val="0"/>
-                        </a:srgbClr>
-                      </a:solidFill>
-                      <a:prstDash val="solid"/>
-                    </a:lnL>
-                    <a:lnR w="0" cmpd="sng" algn="ctr" cap="flat">
-                      <a:solidFill>
-                        <a:srgbClr val="FFFFFF">
-                          <a:alpha val="0"/>
-                        </a:srgbClr>
-                      </a:solidFill>
-                      <a:prstDash val="solid"/>
-                    </a:lnR>
-                    <a:lnT w="0" cmpd="sng" algn="ctr" cap="flat">
-                      <a:solidFill>
-                        <a:srgbClr val="FFFFFF">
-                          <a:alpha val="0"/>
-                        </a:srgbClr>
-                      </a:solidFill>
-                      <a:prstDash val="solid"/>
-                    </a:lnT>
-                    <a:lnB w="0" cmpd="sng" algn="ctr" cap="flat">
-                      <a:solidFill>
-                        <a:srgbClr val="FFFFFF">
-                          <a:alpha val="0"/>
-                        </a:srgbClr>
-                      </a:solidFill>
-                      <a:prstDash val="solid"/>
-                    </a:lnB>
-                  </a:tcPr>
-                </a:tc>
-                <a:tc>
-                  <a:txBody>
-                    <a:bodyPr/>
-                    <a:lstStyle/>
-                    <a:p>
-                      <a:pPr algn="r" marL="63500" marR="63500">
-                        <a:spcBef>
-                          <a:spcPts val="200"/>
-                        </a:spcBef>
-                        <a:spcAft>
-                          <a:spcPts val="200"/>
-                        </a:spcAft>
-                        <a:buNone/>
-                      </a:pPr>
-                      <a:r>
-                        <a:rPr sz="1100">
-                          <a:solidFill>
-                            <a:srgbClr val="111111">
-                              <a:alpha val="100000"/>
-                            </a:srgbClr>
-                          </a:solidFill>
-                          <a:latin typeface="Arial"/>
-                          <a:cs typeface="Arial"/>
-                        </a:rPr>
-                        <a:t>16</a:t>
-                      </a:r>
-                    </a:p>
-                  </a:txBody>
-                  <a:tcPr anchor="ctr" marB="0" marT="0" marR="0" marL="0">
-                    <a:lnL w="0" cmpd="sng" algn="ctr" cap="flat">
-                      <a:solidFill>
-                        <a:srgbClr val="FFFFFF">
-                          <a:alpha val="0"/>
-                        </a:srgbClr>
-                      </a:solidFill>
-                      <a:prstDash val="solid"/>
-                    </a:lnL>
-                    <a:lnR w="0" cmpd="sng" algn="ctr" cap="flat">
-                      <a:solidFill>
-                        <a:srgbClr val="FFFFFF">
-                          <a:alpha val="0"/>
-                        </a:srgbClr>
-                      </a:solidFill>
-                      <a:prstDash val="solid"/>
-                    </a:lnR>
-                    <a:lnT w="0" cmpd="sng" algn="ctr" cap="flat">
-                      <a:solidFill>
-                        <a:srgbClr val="FFFFFF">
-                          <a:alpha val="0"/>
-                        </a:srgbClr>
-                      </a:solidFill>
-                      <a:prstDash val="solid"/>
-                    </a:lnT>
-                    <a:lnB w="0" cmpd="sng" algn="ctr" cap="flat">
-                      <a:solidFill>
-                        <a:srgbClr val="FFFFFF">
-                          <a:alpha val="0"/>
-                        </a:srgbClr>
-                      </a:solidFill>
-                      <a:prstDash val="solid"/>
-                    </a:lnB>
-                  </a:tcPr>
-                </a:tc>
-              </a:tr>
-              <a:tr h="288158">
-                <a:tc>
-                  <a:txBody>
-                    <a:bodyPr/>
-                    <a:lstStyle/>
-                    <a:p>
-                      <a:pPr algn="l" marL="63500" marR="63500">
-                        <a:spcBef>
-                          <a:spcPts val="200"/>
-                        </a:spcBef>
-                        <a:spcAft>
-                          <a:spcPts val="200"/>
-                        </a:spcAft>
-                        <a:buNone/>
-                      </a:pPr>
-                      <a:r>
-                        <a:rPr sz="1100">
-                          <a:solidFill>
-                            <a:srgbClr val="111111">
-                              <a:alpha val="100000"/>
-                            </a:srgbClr>
-                          </a:solidFill>
-                          <a:latin typeface="Arial"/>
-                          <a:cs typeface="Arial"/>
-                        </a:rPr>
-                        <a:t/>
-                      </a:r>
-                    </a:p>
-                  </a:txBody>
-                  <a:tcPr anchor="ctr" marB="0" marT="0" marR="0" marL="0">
-                    <a:lnL w="0" cmpd="sng" algn="ctr" cap="flat">
-                      <a:solidFill>
-                        <a:srgbClr val="FFFFFF">
-                          <a:alpha val="0"/>
-                        </a:srgbClr>
-                      </a:solidFill>
-                      <a:prstDash val="solid"/>
-                    </a:lnL>
-                    <a:lnR w="0" cmpd="sng" algn="ctr" cap="flat">
-                      <a:solidFill>
-                        <a:srgbClr val="FFFFFF">
-                          <a:alpha val="0"/>
-                        </a:srgbClr>
-                      </a:solidFill>
-                      <a:prstDash val="solid"/>
-                    </a:lnR>
-                    <a:lnT w="0" cmpd="sng" algn="ctr" cap="flat">
-                      <a:solidFill>
-                        <a:srgbClr val="FFFFFF">
-                          <a:alpha val="0"/>
-                        </a:srgbClr>
-                      </a:solidFill>
-                      <a:prstDash val="solid"/>
-                    </a:lnT>
                     <a:lnB w="25400" cmpd="sng" algn="ctr" cap="flat">
                       <a:solidFill>
                         <a:srgbClr val="000000">
@@ -6015,7 +5825,7 @@
                           <a:latin typeface="Arial"/>
                           <a:cs typeface="Arial"/>
                         </a:rPr>
-                        <a:t>$2,000</a:t>
+                        <a:t>$17,867</a:t>
                       </a:r>
                     </a:p>
                   </a:txBody>
@@ -6078,7 +5888,7 @@
                           <a:latin typeface="Arial"/>
                           <a:cs typeface="Arial"/>
                         </a:rPr>
-                        <a:t>1</a:t>
+                        <a:t>16</a:t>
                       </a:r>
                     </a:p>
                   </a:txBody>
@@ -6391,12 +6201,12 @@
       </p:grpSpPr>
       <p:pic xmlns:a="http://schemas.openxmlformats.org/drawingml/2006/main" xmlns:r="http://schemas.openxmlformats.org/officeDocument/2006/relationships" xmlns:p="http://schemas.openxmlformats.org/presentationml/2006/main">
         <p:nvPicPr>
-          <p:cNvPr id="2" name=""/>
+          <p:cNvPr id="2" name="Title 1"/>
           <p:cNvPicPr>
             <a:picLocks noGrp="1"/>
           </p:cNvPicPr>
           <p:nvPr>
-            <p:ph/>
+            <p:ph type="title"/>
           </p:nvPr>
         </p:nvPicPr>
         <p:blipFill>
@@ -6407,8 +6217,8 @@
         </p:blipFill>
         <p:spPr>
           <a:xfrm>
-            <a:off x="0" y="0"/>
-            <a:ext cx="9144000" cy="6858000"/>
+            <a:off x="457200" y="274638"/>
+            <a:ext cx="8686800" cy="6858000"/>
           </a:xfrm>
         </p:spPr>
       </p:pic>
@@ -9797,12 +9607,12 @@
       </p:grpSpPr>
       <p:pic xmlns:a="http://schemas.openxmlformats.org/drawingml/2006/main" xmlns:r="http://schemas.openxmlformats.org/officeDocument/2006/relationships" xmlns:p="http://schemas.openxmlformats.org/presentationml/2006/main">
         <p:nvPicPr>
-          <p:cNvPr id="2" name=""/>
+          <p:cNvPr id="2" name="Title 1"/>
           <p:cNvPicPr>
             <a:picLocks noGrp="1"/>
           </p:cNvPicPr>
           <p:nvPr>
-            <p:ph/>
+            <p:ph type="title"/>
           </p:nvPr>
         </p:nvPicPr>
         <p:blipFill>
@@ -9813,8 +9623,8 @@
         </p:blipFill>
         <p:spPr>
           <a:xfrm>
-            <a:off x="0" y="0"/>
-            <a:ext cx="9144000" cy="6858000"/>
+            <a:off x="457200" y="274638"/>
+            <a:ext cx="4855464" cy="6858000"/>
           </a:xfrm>
         </p:spPr>
       </p:pic>
@@ -10915,6 +10725,54 @@
           <a:chExt cx="0" cy="0"/>
         </a:xfrm>
       </p:grpSpPr>
+      <p:pic xmlns:a="http://schemas.openxmlformats.org/drawingml/2006/main" xmlns:r="http://schemas.openxmlformats.org/officeDocument/2006/relationships" xmlns:p="http://schemas.openxmlformats.org/presentationml/2006/main">
+        <p:nvPicPr>
+          <p:cNvPr id="2" name=""/>
+          <p:cNvPicPr>
+            <a:picLocks noGrp="1"/>
+          </p:cNvPicPr>
+          <p:nvPr>
+            <p:ph/>
+          </p:nvPr>
+        </p:nvPicPr>
+        <p:blipFill>
+          <a:blip cstate="print" r:embed="rId2"/>
+          <a:stretch>
+            <a:fillRect/>
+          </a:stretch>
+        </p:blipFill>
+        <p:spPr>
+          <a:xfrm>
+            <a:off x="0" y="0"/>
+            <a:ext cx="9144000" cy="6858000"/>
+          </a:xfrm>
+        </p:spPr>
+      </p:pic>
+    </p:spTree>
+  </p:cSld>
+  <p:clrMapOvr>
+    <a:masterClrMapping/>
+  </p:clrMapOvr>
+</p:sld>
+</file>
+
+<file path=ppt/slides/slide39.xml><?xml version="1.0" encoding="utf-8"?>
+<p:sld xmlns:a="http://schemas.openxmlformats.org/drawingml/2006/main" xmlns:r="http://schemas.openxmlformats.org/officeDocument/2006/relationships" xmlns:p="http://schemas.openxmlformats.org/presentationml/2006/main">
+  <p:cSld>
+    <p:spTree>
+      <p:nvGrpSpPr>
+        <p:cNvPr id="1" name=""/>
+        <p:cNvGrpSpPr/>
+        <p:nvPr/>
+      </p:nvGrpSpPr>
+      <p:grpSpPr>
+        <a:xfrm>
+          <a:off x="0" y="0"/>
+          <a:ext cx="0" cy="0"/>
+          <a:chOff x="0" y="0"/>
+          <a:chExt cx="0" cy="0"/>
+        </a:xfrm>
+      </p:grpSpPr>
       <p:sp xmlns:a="http://schemas.openxmlformats.org/drawingml/2006/main" xmlns:r="http://schemas.openxmlformats.org/officeDocument/2006/relationships" xmlns:p="http://schemas.openxmlformats.org/presentationml/2006/main">
         <p:nvSpPr>
           <p:cNvPr id="2" name="Title 1"/>
@@ -10995,7 +10853,1803 @@
 </p:sld>
 </file>
 
-<file path=ppt/slides/slide39.xml><?xml version="1.0" encoding="utf-8"?>
+<file path=ppt/slides/slide4.xml><?xml version="1.0" encoding="utf-8"?>
+<p:sld xmlns:a="http://schemas.openxmlformats.org/drawingml/2006/main" xmlns:r="http://schemas.openxmlformats.org/officeDocument/2006/relationships" xmlns:p="http://schemas.openxmlformats.org/presentationml/2006/main">
+  <p:cSld>
+    <p:spTree>
+      <p:nvGrpSpPr>
+        <p:cNvPr id="1" name=""/>
+        <p:cNvGrpSpPr/>
+        <p:nvPr/>
+      </p:nvGrpSpPr>
+      <p:grpSpPr>
+        <a:xfrm>
+          <a:off x="0" y="0"/>
+          <a:ext cx="0" cy="0"/>
+          <a:chOff x="0" y="0"/>
+          <a:chExt cx="0" cy="0"/>
+        </a:xfrm>
+      </p:grpSpPr>
+      <p:sp xmlns:a="http://schemas.openxmlformats.org/drawingml/2006/main" xmlns:r="http://schemas.openxmlformats.org/officeDocument/2006/relationships" xmlns:p="http://schemas.openxmlformats.org/presentationml/2006/main">
+        <p:nvSpPr>
+          <p:cNvPr id="2" name="Title 1"/>
+          <p:cNvSpPr>
+            <a:spLocks noGrp="1"/>
+          </p:cNvSpPr>
+          <p:nvPr>
+            <p:ph type="title"/>
+          </p:nvPr>
+        </p:nvSpPr>
+        <p:spPr>
+          <a:xfrm>
+            <a:off x="457200" y="274638"/>
+            <a:ext cx="8229600" cy="1143000"/>
+          </a:xfrm>
+        </p:spPr>
+        <p:txBody>
+          <a:bodyPr/>
+          <a:lstStyle/>
+          <a:p>
+            <a:r>
+              <a:rPr/>
+              <a:t>Neighborhood Summary</a:t>
+            </a:r>
+          </a:p>
+        </p:txBody>
+      </p:sp>
+      <p:graphicFrame xmlns:a="http://schemas.openxmlformats.org/drawingml/2006/main" xmlns:r="http://schemas.openxmlformats.org/officeDocument/2006/relationships" xmlns:p="http://schemas.openxmlformats.org/presentationml/2006/main">
+        <p:nvGraphicFramePr>
+          <p:cNvPr id="3" name="Content Placeholder 2"/>
+          <p:cNvGraphicFramePr>
+            <a:graphicFrameLocks noGrp="true"/>
+          </p:cNvGraphicFramePr>
+          <p:nvPr/>
+        </p:nvGraphicFramePr>
+        <p:xfrm rot="0">
+          <a:off x="457200" y="1600200"/>
+          <a:ext cx="8229600" cy="4525963"/>
+        </p:xfrm>
+        <a:graphic>
+          <a:graphicData uri="http://schemas.openxmlformats.org/drawingml/2006/table">
+            <a:tbl>
+              <a:tblPr/>
+              <a:tblGrid>
+                <a:gridCol w="1650679"/>
+                <a:gridCol w="843448"/>
+                <a:gridCol w="602520"/>
+              </a:tblGrid>
+              <a:tr h="286967">
+                <a:tc>
+                  <a:txBody>
+                    <a:bodyPr/>
+                    <a:lstStyle/>
+                    <a:p>
+                      <a:pPr algn="l" marL="63500" marR="63500">
+                        <a:spcBef>
+                          <a:spcPts val="200"/>
+                        </a:spcBef>
+                        <a:spcAft>
+                          <a:spcPts val="200"/>
+                        </a:spcAft>
+                        <a:buNone/>
+                      </a:pPr>
+                      <a:r>
+                        <a:rPr sz="1100">
+                          <a:solidFill>
+                            <a:srgbClr val="111111">
+                              <a:alpha val="100000"/>
+                            </a:srgbClr>
+                          </a:solidFill>
+                          <a:latin typeface="Arial"/>
+                          <a:cs typeface="Arial"/>
+                        </a:rPr>
+                        <a:t>Neighborhood</a:t>
+                      </a:r>
+                    </a:p>
+                  </a:txBody>
+                  <a:tcPr anchor="ctr" marB="0" marT="0" marR="0" marL="0">
+                    <a:lnL w="0" cmpd="sng" algn="ctr" cap="flat">
+                      <a:solidFill>
+                        <a:srgbClr val="FFFFFF">
+                          <a:alpha val="0"/>
+                        </a:srgbClr>
+                      </a:solidFill>
+                      <a:prstDash val="solid"/>
+                    </a:lnL>
+                    <a:lnR w="0" cmpd="sng" algn="ctr" cap="flat">
+                      <a:solidFill>
+                        <a:srgbClr val="FFFFFF">
+                          <a:alpha val="0"/>
+                        </a:srgbClr>
+                      </a:solidFill>
+                      <a:prstDash val="solid"/>
+                    </a:lnR>
+                    <a:lnT w="25400" cmpd="sng" algn="ctr" cap="flat">
+                      <a:solidFill>
+                        <a:srgbClr val="000000">
+                          <a:alpha val="100000"/>
+                        </a:srgbClr>
+                      </a:solidFill>
+                      <a:prstDash val="solid"/>
+                    </a:lnT>
+                    <a:lnB w="25400" cmpd="sng" algn="ctr" cap="flat">
+                      <a:solidFill>
+                        <a:srgbClr val="000000">
+                          <a:alpha val="100000"/>
+                        </a:srgbClr>
+                      </a:solidFill>
+                      <a:prstDash val="solid"/>
+                    </a:lnB>
+                  </a:tcPr>
+                </a:tc>
+                <a:tc>
+                  <a:txBody>
+                    <a:bodyPr/>
+                    <a:lstStyle/>
+                    <a:p>
+                      <a:pPr algn="r" marL="63500" marR="63500">
+                        <a:spcBef>
+                          <a:spcPts val="200"/>
+                        </a:spcBef>
+                        <a:spcAft>
+                          <a:spcPts val="200"/>
+                        </a:spcAft>
+                        <a:buNone/>
+                      </a:pPr>
+                      <a:r>
+                        <a:rPr sz="1100">
+                          <a:solidFill>
+                            <a:srgbClr val="111111">
+                              <a:alpha val="100000"/>
+                            </a:srgbClr>
+                          </a:solidFill>
+                          <a:latin typeface="Arial"/>
+                          <a:cs typeface="Arial"/>
+                        </a:rPr>
+                        <a:t>Average Cost</a:t>
+                      </a:r>
+                    </a:p>
+                  </a:txBody>
+                  <a:tcPr anchor="ctr" marB="0" marT="0" marR="0" marL="0">
+                    <a:lnL w="0" cmpd="sng" algn="ctr" cap="flat">
+                      <a:solidFill>
+                        <a:srgbClr val="FFFFFF">
+                          <a:alpha val="0"/>
+                        </a:srgbClr>
+                      </a:solidFill>
+                      <a:prstDash val="solid"/>
+                    </a:lnL>
+                    <a:lnR w="0" cmpd="sng" algn="ctr" cap="flat">
+                      <a:solidFill>
+                        <a:srgbClr val="FFFFFF">
+                          <a:alpha val="0"/>
+                        </a:srgbClr>
+                      </a:solidFill>
+                      <a:prstDash val="solid"/>
+                    </a:lnR>
+                    <a:lnT w="25400" cmpd="sng" algn="ctr" cap="flat">
+                      <a:solidFill>
+                        <a:srgbClr val="000000">
+                          <a:alpha val="100000"/>
+                        </a:srgbClr>
+                      </a:solidFill>
+                      <a:prstDash val="solid"/>
+                    </a:lnT>
+                    <a:lnB w="25400" cmpd="sng" algn="ctr" cap="flat">
+                      <a:solidFill>
+                        <a:srgbClr val="000000">
+                          <a:alpha val="100000"/>
+                        </a:srgbClr>
+                      </a:solidFill>
+                      <a:prstDash val="solid"/>
+                    </a:lnB>
+                  </a:tcPr>
+                </a:tc>
+                <a:tc>
+                  <a:txBody>
+                    <a:bodyPr/>
+                    <a:lstStyle/>
+                    <a:p>
+                      <a:pPr algn="r" marL="63500" marR="63500">
+                        <a:spcBef>
+                          <a:spcPts val="200"/>
+                        </a:spcBef>
+                        <a:spcAft>
+                          <a:spcPts val="200"/>
+                        </a:spcAft>
+                        <a:buNone/>
+                      </a:pPr>
+                      <a:r>
+                        <a:rPr sz="1100">
+                          <a:solidFill>
+                            <a:srgbClr val="111111">
+                              <a:alpha val="100000"/>
+                            </a:srgbClr>
+                          </a:solidFill>
+                          <a:latin typeface="Arial"/>
+                          <a:cs typeface="Arial"/>
+                        </a:rPr>
+                        <a:t># of Permits</a:t>
+                      </a:r>
+                    </a:p>
+                  </a:txBody>
+                  <a:tcPr anchor="ctr" marB="0" marT="0" marR="0" marL="0">
+                    <a:lnL w="0" cmpd="sng" algn="ctr" cap="flat">
+                      <a:solidFill>
+                        <a:srgbClr val="FFFFFF">
+                          <a:alpha val="0"/>
+                        </a:srgbClr>
+                      </a:solidFill>
+                      <a:prstDash val="solid"/>
+                    </a:lnL>
+                    <a:lnR w="0" cmpd="sng" algn="ctr" cap="flat">
+                      <a:solidFill>
+                        <a:srgbClr val="FFFFFF">
+                          <a:alpha val="0"/>
+                        </a:srgbClr>
+                      </a:solidFill>
+                      <a:prstDash val="solid"/>
+                    </a:lnR>
+                    <a:lnT w="25400" cmpd="sng" algn="ctr" cap="flat">
+                      <a:solidFill>
+                        <a:srgbClr val="000000">
+                          <a:alpha val="100000"/>
+                        </a:srgbClr>
+                      </a:solidFill>
+                      <a:prstDash val="solid"/>
+                    </a:lnT>
+                    <a:lnB w="25400" cmpd="sng" algn="ctr" cap="flat">
+                      <a:solidFill>
+                        <a:srgbClr val="000000">
+                          <a:alpha val="100000"/>
+                        </a:srgbClr>
+                      </a:solidFill>
+                      <a:prstDash val="solid"/>
+                    </a:lnB>
+                  </a:tcPr>
+                </a:tc>
+              </a:tr>
+              <a:tr h="288555">
+                <a:tc>
+                  <a:txBody>
+                    <a:bodyPr/>
+                    <a:lstStyle/>
+                    <a:p>
+                      <a:pPr algn="l" marL="63500" marR="63500">
+                        <a:spcBef>
+                          <a:spcPts val="200"/>
+                        </a:spcBef>
+                        <a:spcAft>
+                          <a:spcPts val="200"/>
+                        </a:spcAft>
+                        <a:buNone/>
+                      </a:pPr>
+                      <a:r>
+                        <a:rPr sz="1100">
+                          <a:solidFill>
+                            <a:srgbClr val="111111">
+                              <a:alpha val="100000"/>
+                            </a:srgbClr>
+                          </a:solidFill>
+                          <a:latin typeface="Arial"/>
+                          <a:cs typeface="Arial"/>
+                        </a:rPr>
+                        <a:t>Academy</a:t>
+                      </a:r>
+                    </a:p>
+                  </a:txBody>
+                  <a:tcPr anchor="ctr" marB="0" marT="0" marR="0" marL="0">
+                    <a:lnL w="0" cmpd="sng" algn="ctr" cap="flat">
+                      <a:solidFill>
+                        <a:srgbClr val="FFFFFF">
+                          <a:alpha val="0"/>
+                        </a:srgbClr>
+                      </a:solidFill>
+                      <a:prstDash val="solid"/>
+                    </a:lnL>
+                    <a:lnR w="0" cmpd="sng" algn="ctr" cap="flat">
+                      <a:solidFill>
+                        <a:srgbClr val="FFFFFF">
+                          <a:alpha val="0"/>
+                        </a:srgbClr>
+                      </a:solidFill>
+                      <a:prstDash val="solid"/>
+                    </a:lnR>
+                    <a:lnT w="0" cmpd="sng" algn="ctr" cap="flat">
+                      <a:solidFill>
+                        <a:srgbClr val="FFFFFF">
+                          <a:alpha val="0"/>
+                        </a:srgbClr>
+                      </a:solidFill>
+                      <a:prstDash val="solid"/>
+                    </a:lnT>
+                    <a:lnB w="0" cmpd="sng" algn="ctr" cap="flat">
+                      <a:solidFill>
+                        <a:srgbClr val="FFFFFF">
+                          <a:alpha val="0"/>
+                        </a:srgbClr>
+                      </a:solidFill>
+                      <a:prstDash val="solid"/>
+                    </a:lnB>
+                  </a:tcPr>
+                </a:tc>
+                <a:tc>
+                  <a:txBody>
+                    <a:bodyPr/>
+                    <a:lstStyle/>
+                    <a:p>
+                      <a:pPr algn="r" marL="63500" marR="63500">
+                        <a:spcBef>
+                          <a:spcPts val="200"/>
+                        </a:spcBef>
+                        <a:spcAft>
+                          <a:spcPts val="200"/>
+                        </a:spcAft>
+                        <a:buNone/>
+                      </a:pPr>
+                      <a:r>
+                        <a:rPr sz="1100">
+                          <a:solidFill>
+                            <a:srgbClr val="111111">
+                              <a:alpha val="100000"/>
+                            </a:srgbClr>
+                          </a:solidFill>
+                          <a:latin typeface="Arial"/>
+                          <a:cs typeface="Arial"/>
+                        </a:rPr>
+                        <a:t>$91,667</a:t>
+                      </a:r>
+                    </a:p>
+                  </a:txBody>
+                  <a:tcPr anchor="ctr" marB="0" marT="0" marR="0" marL="0">
+                    <a:lnL w="0" cmpd="sng" algn="ctr" cap="flat">
+                      <a:solidFill>
+                        <a:srgbClr val="FFFFFF">
+                          <a:alpha val="0"/>
+                        </a:srgbClr>
+                      </a:solidFill>
+                      <a:prstDash val="solid"/>
+                    </a:lnL>
+                    <a:lnR w="0" cmpd="sng" algn="ctr" cap="flat">
+                      <a:solidFill>
+                        <a:srgbClr val="FFFFFF">
+                          <a:alpha val="0"/>
+                        </a:srgbClr>
+                      </a:solidFill>
+                      <a:prstDash val="solid"/>
+                    </a:lnR>
+                    <a:lnT w="0" cmpd="sng" algn="ctr" cap="flat">
+                      <a:solidFill>
+                        <a:srgbClr val="FFFFFF">
+                          <a:alpha val="0"/>
+                        </a:srgbClr>
+                      </a:solidFill>
+                      <a:prstDash val="solid"/>
+                    </a:lnT>
+                    <a:lnB w="0" cmpd="sng" algn="ctr" cap="flat">
+                      <a:solidFill>
+                        <a:srgbClr val="FFFFFF">
+                          <a:alpha val="0"/>
+                        </a:srgbClr>
+                      </a:solidFill>
+                      <a:prstDash val="solid"/>
+                    </a:lnB>
+                  </a:tcPr>
+                </a:tc>
+                <a:tc>
+                  <a:txBody>
+                    <a:bodyPr/>
+                    <a:lstStyle/>
+                    <a:p>
+                      <a:pPr algn="r" marL="63500" marR="63500">
+                        <a:spcBef>
+                          <a:spcPts val="200"/>
+                        </a:spcBef>
+                        <a:spcAft>
+                          <a:spcPts val="200"/>
+                        </a:spcAft>
+                        <a:buNone/>
+                      </a:pPr>
+                      <a:r>
+                        <a:rPr sz="1100">
+                          <a:solidFill>
+                            <a:srgbClr val="111111">
+                              <a:alpha val="100000"/>
+                            </a:srgbClr>
+                          </a:solidFill>
+                          <a:latin typeface="Arial"/>
+                          <a:cs typeface="Arial"/>
+                        </a:rPr>
+                        <a:t>3</a:t>
+                      </a:r>
+                    </a:p>
+                  </a:txBody>
+                  <a:tcPr anchor="ctr" marB="0" marT="0" marR="0" marL="0">
+                    <a:lnL w="0" cmpd="sng" algn="ctr" cap="flat">
+                      <a:solidFill>
+                        <a:srgbClr val="FFFFFF">
+                          <a:alpha val="0"/>
+                        </a:srgbClr>
+                      </a:solidFill>
+                      <a:prstDash val="solid"/>
+                    </a:lnL>
+                    <a:lnR w="0" cmpd="sng" algn="ctr" cap="flat">
+                      <a:solidFill>
+                        <a:srgbClr val="FFFFFF">
+                          <a:alpha val="0"/>
+                        </a:srgbClr>
+                      </a:solidFill>
+                      <a:prstDash val="solid"/>
+                    </a:lnR>
+                    <a:lnT w="0" cmpd="sng" algn="ctr" cap="flat">
+                      <a:solidFill>
+                        <a:srgbClr val="FFFFFF">
+                          <a:alpha val="0"/>
+                        </a:srgbClr>
+                      </a:solidFill>
+                      <a:prstDash val="solid"/>
+                    </a:lnT>
+                    <a:lnB w="0" cmpd="sng" algn="ctr" cap="flat">
+                      <a:solidFill>
+                        <a:srgbClr val="FFFFFF">
+                          <a:alpha val="0"/>
+                        </a:srgbClr>
+                      </a:solidFill>
+                      <a:prstDash val="solid"/>
+                    </a:lnB>
+                  </a:tcPr>
+                </a:tc>
+              </a:tr>
+              <a:tr h="288158">
+                <a:tc>
+                  <a:txBody>
+                    <a:bodyPr/>
+                    <a:lstStyle/>
+                    <a:p>
+                      <a:pPr algn="l" marL="63500" marR="63500">
+                        <a:spcBef>
+                          <a:spcPts val="200"/>
+                        </a:spcBef>
+                        <a:spcAft>
+                          <a:spcPts val="200"/>
+                        </a:spcAft>
+                        <a:buNone/>
+                      </a:pPr>
+                      <a:r>
+                        <a:rPr sz="1100">
+                          <a:solidFill>
+                            <a:srgbClr val="111111">
+                              <a:alpha val="100000"/>
+                            </a:srgbClr>
+                          </a:solidFill>
+                          <a:latin typeface="Arial"/>
+                          <a:cs typeface="Arial"/>
+                        </a:rPr>
+                        <a:t>Central West End</a:t>
+                      </a:r>
+                    </a:p>
+                  </a:txBody>
+                  <a:tcPr anchor="ctr" marB="0" marT="0" marR="0" marL="0">
+                    <a:lnL w="0" cmpd="sng" algn="ctr" cap="flat">
+                      <a:solidFill>
+                        <a:srgbClr val="FFFFFF">
+                          <a:alpha val="0"/>
+                        </a:srgbClr>
+                      </a:solidFill>
+                      <a:prstDash val="solid"/>
+                    </a:lnL>
+                    <a:lnR w="0" cmpd="sng" algn="ctr" cap="flat">
+                      <a:solidFill>
+                        <a:srgbClr val="FFFFFF">
+                          <a:alpha val="0"/>
+                        </a:srgbClr>
+                      </a:solidFill>
+                      <a:prstDash val="solid"/>
+                    </a:lnR>
+                    <a:lnT w="0" cmpd="sng" algn="ctr" cap="flat">
+                      <a:solidFill>
+                        <a:srgbClr val="FFFFFF">
+                          <a:alpha val="0"/>
+                        </a:srgbClr>
+                      </a:solidFill>
+                      <a:prstDash val="solid"/>
+                    </a:lnT>
+                    <a:lnB w="0" cmpd="sng" algn="ctr" cap="flat">
+                      <a:solidFill>
+                        <a:srgbClr val="FFFFFF">
+                          <a:alpha val="0"/>
+                        </a:srgbClr>
+                      </a:solidFill>
+                      <a:prstDash val="solid"/>
+                    </a:lnB>
+                  </a:tcPr>
+                </a:tc>
+                <a:tc>
+                  <a:txBody>
+                    <a:bodyPr/>
+                    <a:lstStyle/>
+                    <a:p>
+                      <a:pPr algn="r" marL="63500" marR="63500">
+                        <a:spcBef>
+                          <a:spcPts val="200"/>
+                        </a:spcBef>
+                        <a:spcAft>
+                          <a:spcPts val="200"/>
+                        </a:spcAft>
+                        <a:buNone/>
+                      </a:pPr>
+                      <a:r>
+                        <a:rPr sz="1100">
+                          <a:solidFill>
+                            <a:srgbClr val="111111">
+                              <a:alpha val="100000"/>
+                            </a:srgbClr>
+                          </a:solidFill>
+                          <a:latin typeface="Arial"/>
+                          <a:cs typeface="Arial"/>
+                        </a:rPr>
+                        <a:t>$53,581</a:t>
+                      </a:r>
+                    </a:p>
+                  </a:txBody>
+                  <a:tcPr anchor="ctr" marB="0" marT="0" marR="0" marL="0">
+                    <a:lnL w="0" cmpd="sng" algn="ctr" cap="flat">
+                      <a:solidFill>
+                        <a:srgbClr val="FFFFFF">
+                          <a:alpha val="0"/>
+                        </a:srgbClr>
+                      </a:solidFill>
+                      <a:prstDash val="solid"/>
+                    </a:lnL>
+                    <a:lnR w="0" cmpd="sng" algn="ctr" cap="flat">
+                      <a:solidFill>
+                        <a:srgbClr val="FFFFFF">
+                          <a:alpha val="0"/>
+                        </a:srgbClr>
+                      </a:solidFill>
+                      <a:prstDash val="solid"/>
+                    </a:lnR>
+                    <a:lnT w="0" cmpd="sng" algn="ctr" cap="flat">
+                      <a:solidFill>
+                        <a:srgbClr val="FFFFFF">
+                          <a:alpha val="0"/>
+                        </a:srgbClr>
+                      </a:solidFill>
+                      <a:prstDash val="solid"/>
+                    </a:lnT>
+                    <a:lnB w="0" cmpd="sng" algn="ctr" cap="flat">
+                      <a:solidFill>
+                        <a:srgbClr val="FFFFFF">
+                          <a:alpha val="0"/>
+                        </a:srgbClr>
+                      </a:solidFill>
+                      <a:prstDash val="solid"/>
+                    </a:lnB>
+                  </a:tcPr>
+                </a:tc>
+                <a:tc>
+                  <a:txBody>
+                    <a:bodyPr/>
+                    <a:lstStyle/>
+                    <a:p>
+                      <a:pPr algn="r" marL="63500" marR="63500">
+                        <a:spcBef>
+                          <a:spcPts val="200"/>
+                        </a:spcBef>
+                        <a:spcAft>
+                          <a:spcPts val="200"/>
+                        </a:spcAft>
+                        <a:buNone/>
+                      </a:pPr>
+                      <a:r>
+                        <a:rPr sz="1100">
+                          <a:solidFill>
+                            <a:srgbClr val="111111">
+                              <a:alpha val="100000"/>
+                            </a:srgbClr>
+                          </a:solidFill>
+                          <a:latin typeface="Arial"/>
+                          <a:cs typeface="Arial"/>
+                        </a:rPr>
+                        <a:t>31</a:t>
+                      </a:r>
+                    </a:p>
+                  </a:txBody>
+                  <a:tcPr anchor="ctr" marB="0" marT="0" marR="0" marL="0">
+                    <a:lnL w="0" cmpd="sng" algn="ctr" cap="flat">
+                      <a:solidFill>
+                        <a:srgbClr val="FFFFFF">
+                          <a:alpha val="0"/>
+                        </a:srgbClr>
+                      </a:solidFill>
+                      <a:prstDash val="solid"/>
+                    </a:lnL>
+                    <a:lnR w="0" cmpd="sng" algn="ctr" cap="flat">
+                      <a:solidFill>
+                        <a:srgbClr val="FFFFFF">
+                          <a:alpha val="0"/>
+                        </a:srgbClr>
+                      </a:solidFill>
+                      <a:prstDash val="solid"/>
+                    </a:lnR>
+                    <a:lnT w="0" cmpd="sng" algn="ctr" cap="flat">
+                      <a:solidFill>
+                        <a:srgbClr val="FFFFFF">
+                          <a:alpha val="0"/>
+                        </a:srgbClr>
+                      </a:solidFill>
+                      <a:prstDash val="solid"/>
+                    </a:lnT>
+                    <a:lnB w="0" cmpd="sng" algn="ctr" cap="flat">
+                      <a:solidFill>
+                        <a:srgbClr val="FFFFFF">
+                          <a:alpha val="0"/>
+                        </a:srgbClr>
+                      </a:solidFill>
+                      <a:prstDash val="solid"/>
+                    </a:lnB>
+                  </a:tcPr>
+                </a:tc>
+              </a:tr>
+              <a:tr h="288158">
+                <a:tc>
+                  <a:txBody>
+                    <a:bodyPr/>
+                    <a:lstStyle/>
+                    <a:p>
+                      <a:pPr algn="l" marL="63500" marR="63500">
+                        <a:spcBef>
+                          <a:spcPts val="200"/>
+                        </a:spcBef>
+                        <a:spcAft>
+                          <a:spcPts val="200"/>
+                        </a:spcAft>
+                        <a:buNone/>
+                      </a:pPr>
+                      <a:r>
+                        <a:rPr sz="1100">
+                          <a:solidFill>
+                            <a:srgbClr val="111111">
+                              <a:alpha val="100000"/>
+                            </a:srgbClr>
+                          </a:solidFill>
+                          <a:latin typeface="Arial"/>
+                          <a:cs typeface="Arial"/>
+                        </a:rPr>
+                        <a:t>DeBaliviere Place</a:t>
+                      </a:r>
+                    </a:p>
+                  </a:txBody>
+                  <a:tcPr anchor="ctr" marB="0" marT="0" marR="0" marL="0">
+                    <a:lnL w="0" cmpd="sng" algn="ctr" cap="flat">
+                      <a:solidFill>
+                        <a:srgbClr val="FFFFFF">
+                          <a:alpha val="0"/>
+                        </a:srgbClr>
+                      </a:solidFill>
+                      <a:prstDash val="solid"/>
+                    </a:lnL>
+                    <a:lnR w="0" cmpd="sng" algn="ctr" cap="flat">
+                      <a:solidFill>
+                        <a:srgbClr val="FFFFFF">
+                          <a:alpha val="0"/>
+                        </a:srgbClr>
+                      </a:solidFill>
+                      <a:prstDash val="solid"/>
+                    </a:lnR>
+                    <a:lnT w="0" cmpd="sng" algn="ctr" cap="flat">
+                      <a:solidFill>
+                        <a:srgbClr val="FFFFFF">
+                          <a:alpha val="0"/>
+                        </a:srgbClr>
+                      </a:solidFill>
+                      <a:prstDash val="solid"/>
+                    </a:lnT>
+                    <a:lnB w="0" cmpd="sng" algn="ctr" cap="flat">
+                      <a:solidFill>
+                        <a:srgbClr val="FFFFFF">
+                          <a:alpha val="0"/>
+                        </a:srgbClr>
+                      </a:solidFill>
+                      <a:prstDash val="solid"/>
+                    </a:lnB>
+                  </a:tcPr>
+                </a:tc>
+                <a:tc>
+                  <a:txBody>
+                    <a:bodyPr/>
+                    <a:lstStyle/>
+                    <a:p>
+                      <a:pPr algn="r" marL="63500" marR="63500">
+                        <a:spcBef>
+                          <a:spcPts val="200"/>
+                        </a:spcBef>
+                        <a:spcAft>
+                          <a:spcPts val="200"/>
+                        </a:spcAft>
+                        <a:buNone/>
+                      </a:pPr>
+                      <a:r>
+                        <a:rPr sz="1100">
+                          <a:solidFill>
+                            <a:srgbClr val="111111">
+                              <a:alpha val="100000"/>
+                            </a:srgbClr>
+                          </a:solidFill>
+                          <a:latin typeface="Arial"/>
+                          <a:cs typeface="Arial"/>
+                        </a:rPr>
+                        <a:t>$14,000</a:t>
+                      </a:r>
+                    </a:p>
+                  </a:txBody>
+                  <a:tcPr anchor="ctr" marB="0" marT="0" marR="0" marL="0">
+                    <a:lnL w="0" cmpd="sng" algn="ctr" cap="flat">
+                      <a:solidFill>
+                        <a:srgbClr val="FFFFFF">
+                          <a:alpha val="0"/>
+                        </a:srgbClr>
+                      </a:solidFill>
+                      <a:prstDash val="solid"/>
+                    </a:lnL>
+                    <a:lnR w="0" cmpd="sng" algn="ctr" cap="flat">
+                      <a:solidFill>
+                        <a:srgbClr val="FFFFFF">
+                          <a:alpha val="0"/>
+                        </a:srgbClr>
+                      </a:solidFill>
+                      <a:prstDash val="solid"/>
+                    </a:lnR>
+                    <a:lnT w="0" cmpd="sng" algn="ctr" cap="flat">
+                      <a:solidFill>
+                        <a:srgbClr val="FFFFFF">
+                          <a:alpha val="0"/>
+                        </a:srgbClr>
+                      </a:solidFill>
+                      <a:prstDash val="solid"/>
+                    </a:lnT>
+                    <a:lnB w="0" cmpd="sng" algn="ctr" cap="flat">
+                      <a:solidFill>
+                        <a:srgbClr val="FFFFFF">
+                          <a:alpha val="0"/>
+                        </a:srgbClr>
+                      </a:solidFill>
+                      <a:prstDash val="solid"/>
+                    </a:lnB>
+                  </a:tcPr>
+                </a:tc>
+                <a:tc>
+                  <a:txBody>
+                    <a:bodyPr/>
+                    <a:lstStyle/>
+                    <a:p>
+                      <a:pPr algn="r" marL="63500" marR="63500">
+                        <a:spcBef>
+                          <a:spcPts val="200"/>
+                        </a:spcBef>
+                        <a:spcAft>
+                          <a:spcPts val="200"/>
+                        </a:spcAft>
+                        <a:buNone/>
+                      </a:pPr>
+                      <a:r>
+                        <a:rPr sz="1100">
+                          <a:solidFill>
+                            <a:srgbClr val="111111">
+                              <a:alpha val="100000"/>
+                            </a:srgbClr>
+                          </a:solidFill>
+                          <a:latin typeface="Arial"/>
+                          <a:cs typeface="Arial"/>
+                        </a:rPr>
+                        <a:t>1</a:t>
+                      </a:r>
+                    </a:p>
+                  </a:txBody>
+                  <a:tcPr anchor="ctr" marB="0" marT="0" marR="0" marL="0">
+                    <a:lnL w="0" cmpd="sng" algn="ctr" cap="flat">
+                      <a:solidFill>
+                        <a:srgbClr val="FFFFFF">
+                          <a:alpha val="0"/>
+                        </a:srgbClr>
+                      </a:solidFill>
+                      <a:prstDash val="solid"/>
+                    </a:lnL>
+                    <a:lnR w="0" cmpd="sng" algn="ctr" cap="flat">
+                      <a:solidFill>
+                        <a:srgbClr val="FFFFFF">
+                          <a:alpha val="0"/>
+                        </a:srgbClr>
+                      </a:solidFill>
+                      <a:prstDash val="solid"/>
+                    </a:lnR>
+                    <a:lnT w="0" cmpd="sng" algn="ctr" cap="flat">
+                      <a:solidFill>
+                        <a:srgbClr val="FFFFFF">
+                          <a:alpha val="0"/>
+                        </a:srgbClr>
+                      </a:solidFill>
+                      <a:prstDash val="solid"/>
+                    </a:lnT>
+                    <a:lnB w="0" cmpd="sng" algn="ctr" cap="flat">
+                      <a:solidFill>
+                        <a:srgbClr val="FFFFFF">
+                          <a:alpha val="0"/>
+                        </a:srgbClr>
+                      </a:solidFill>
+                      <a:prstDash val="solid"/>
+                    </a:lnB>
+                  </a:tcPr>
+                </a:tc>
+              </a:tr>
+              <a:tr h="288158">
+                <a:tc>
+                  <a:txBody>
+                    <a:bodyPr/>
+                    <a:lstStyle/>
+                    <a:p>
+                      <a:pPr algn="l" marL="63500" marR="63500">
+                        <a:spcBef>
+                          <a:spcPts val="200"/>
+                        </a:spcBef>
+                        <a:spcAft>
+                          <a:spcPts val="200"/>
+                        </a:spcAft>
+                        <a:buNone/>
+                      </a:pPr>
+                      <a:r>
+                        <a:rPr sz="1100">
+                          <a:solidFill>
+                            <a:srgbClr val="111111">
+                              <a:alpha val="100000"/>
+                            </a:srgbClr>
+                          </a:solidFill>
+                          <a:latin typeface="Arial"/>
+                          <a:cs typeface="Arial"/>
+                        </a:rPr>
+                        <a:t>Forest Park Southeast</a:t>
+                      </a:r>
+                    </a:p>
+                  </a:txBody>
+                  <a:tcPr anchor="ctr" marB="0" marT="0" marR="0" marL="0">
+                    <a:lnL w="0" cmpd="sng" algn="ctr" cap="flat">
+                      <a:solidFill>
+                        <a:srgbClr val="FFFFFF">
+                          <a:alpha val="0"/>
+                        </a:srgbClr>
+                      </a:solidFill>
+                      <a:prstDash val="solid"/>
+                    </a:lnL>
+                    <a:lnR w="0" cmpd="sng" algn="ctr" cap="flat">
+                      <a:solidFill>
+                        <a:srgbClr val="FFFFFF">
+                          <a:alpha val="0"/>
+                        </a:srgbClr>
+                      </a:solidFill>
+                      <a:prstDash val="solid"/>
+                    </a:lnR>
+                    <a:lnT w="0" cmpd="sng" algn="ctr" cap="flat">
+                      <a:solidFill>
+                        <a:srgbClr val="FFFFFF">
+                          <a:alpha val="0"/>
+                        </a:srgbClr>
+                      </a:solidFill>
+                      <a:prstDash val="solid"/>
+                    </a:lnT>
+                    <a:lnB w="0" cmpd="sng" algn="ctr" cap="flat">
+                      <a:solidFill>
+                        <a:srgbClr val="FFFFFF">
+                          <a:alpha val="0"/>
+                        </a:srgbClr>
+                      </a:solidFill>
+                      <a:prstDash val="solid"/>
+                    </a:lnB>
+                  </a:tcPr>
+                </a:tc>
+                <a:tc>
+                  <a:txBody>
+                    <a:bodyPr/>
+                    <a:lstStyle/>
+                    <a:p>
+                      <a:pPr algn="r" marL="63500" marR="63500">
+                        <a:spcBef>
+                          <a:spcPts val="200"/>
+                        </a:spcBef>
+                        <a:spcAft>
+                          <a:spcPts val="200"/>
+                        </a:spcAft>
+                        <a:buNone/>
+                      </a:pPr>
+                      <a:r>
+                        <a:rPr sz="1100">
+                          <a:solidFill>
+                            <a:srgbClr val="111111">
+                              <a:alpha val="100000"/>
+                            </a:srgbClr>
+                          </a:solidFill>
+                          <a:latin typeface="Arial"/>
+                          <a:cs typeface="Arial"/>
+                        </a:rPr>
+                        <a:t>$46,822</a:t>
+                      </a:r>
+                    </a:p>
+                  </a:txBody>
+                  <a:tcPr anchor="ctr" marB="0" marT="0" marR="0" marL="0">
+                    <a:lnL w="0" cmpd="sng" algn="ctr" cap="flat">
+                      <a:solidFill>
+                        <a:srgbClr val="FFFFFF">
+                          <a:alpha val="0"/>
+                        </a:srgbClr>
+                      </a:solidFill>
+                      <a:prstDash val="solid"/>
+                    </a:lnL>
+                    <a:lnR w="0" cmpd="sng" algn="ctr" cap="flat">
+                      <a:solidFill>
+                        <a:srgbClr val="FFFFFF">
+                          <a:alpha val="0"/>
+                        </a:srgbClr>
+                      </a:solidFill>
+                      <a:prstDash val="solid"/>
+                    </a:lnR>
+                    <a:lnT w="0" cmpd="sng" algn="ctr" cap="flat">
+                      <a:solidFill>
+                        <a:srgbClr val="FFFFFF">
+                          <a:alpha val="0"/>
+                        </a:srgbClr>
+                      </a:solidFill>
+                      <a:prstDash val="solid"/>
+                    </a:lnT>
+                    <a:lnB w="0" cmpd="sng" algn="ctr" cap="flat">
+                      <a:solidFill>
+                        <a:srgbClr val="FFFFFF">
+                          <a:alpha val="0"/>
+                        </a:srgbClr>
+                      </a:solidFill>
+                      <a:prstDash val="solid"/>
+                    </a:lnB>
+                  </a:tcPr>
+                </a:tc>
+                <a:tc>
+                  <a:txBody>
+                    <a:bodyPr/>
+                    <a:lstStyle/>
+                    <a:p>
+                      <a:pPr algn="r" marL="63500" marR="63500">
+                        <a:spcBef>
+                          <a:spcPts val="200"/>
+                        </a:spcBef>
+                        <a:spcAft>
+                          <a:spcPts val="200"/>
+                        </a:spcAft>
+                        <a:buNone/>
+                      </a:pPr>
+                      <a:r>
+                        <a:rPr sz="1100">
+                          <a:solidFill>
+                            <a:srgbClr val="111111">
+                              <a:alpha val="100000"/>
+                            </a:srgbClr>
+                          </a:solidFill>
+                          <a:latin typeface="Arial"/>
+                          <a:cs typeface="Arial"/>
+                        </a:rPr>
+                        <a:t>9</a:t>
+                      </a:r>
+                    </a:p>
+                  </a:txBody>
+                  <a:tcPr anchor="ctr" marB="0" marT="0" marR="0" marL="0">
+                    <a:lnL w="0" cmpd="sng" algn="ctr" cap="flat">
+                      <a:solidFill>
+                        <a:srgbClr val="FFFFFF">
+                          <a:alpha val="0"/>
+                        </a:srgbClr>
+                      </a:solidFill>
+                      <a:prstDash val="solid"/>
+                    </a:lnL>
+                    <a:lnR w="0" cmpd="sng" algn="ctr" cap="flat">
+                      <a:solidFill>
+                        <a:srgbClr val="FFFFFF">
+                          <a:alpha val="0"/>
+                        </a:srgbClr>
+                      </a:solidFill>
+                      <a:prstDash val="solid"/>
+                    </a:lnR>
+                    <a:lnT w="0" cmpd="sng" algn="ctr" cap="flat">
+                      <a:solidFill>
+                        <a:srgbClr val="FFFFFF">
+                          <a:alpha val="0"/>
+                        </a:srgbClr>
+                      </a:solidFill>
+                      <a:prstDash val="solid"/>
+                    </a:lnT>
+                    <a:lnB w="0" cmpd="sng" algn="ctr" cap="flat">
+                      <a:solidFill>
+                        <a:srgbClr val="FFFFFF">
+                          <a:alpha val="0"/>
+                        </a:srgbClr>
+                      </a:solidFill>
+                      <a:prstDash val="solid"/>
+                    </a:lnB>
+                  </a:tcPr>
+                </a:tc>
+              </a:tr>
+              <a:tr h="288158">
+                <a:tc>
+                  <a:txBody>
+                    <a:bodyPr/>
+                    <a:lstStyle/>
+                    <a:p>
+                      <a:pPr algn="l" marL="63500" marR="63500">
+                        <a:spcBef>
+                          <a:spcPts val="200"/>
+                        </a:spcBef>
+                        <a:spcAft>
+                          <a:spcPts val="200"/>
+                        </a:spcAft>
+                        <a:buNone/>
+                      </a:pPr>
+                      <a:r>
+                        <a:rPr sz="1100">
+                          <a:solidFill>
+                            <a:srgbClr val="111111">
+                              <a:alpha val="100000"/>
+                            </a:srgbClr>
+                          </a:solidFill>
+                          <a:latin typeface="Arial"/>
+                          <a:cs typeface="Arial"/>
+                        </a:rPr>
+                        <a:t>Skinker DeBaliviere</a:t>
+                      </a:r>
+                    </a:p>
+                  </a:txBody>
+                  <a:tcPr anchor="ctr" marB="0" marT="0" marR="0" marL="0">
+                    <a:lnL w="0" cmpd="sng" algn="ctr" cap="flat">
+                      <a:solidFill>
+                        <a:srgbClr val="FFFFFF">
+                          <a:alpha val="0"/>
+                        </a:srgbClr>
+                      </a:solidFill>
+                      <a:prstDash val="solid"/>
+                    </a:lnL>
+                    <a:lnR w="0" cmpd="sng" algn="ctr" cap="flat">
+                      <a:solidFill>
+                        <a:srgbClr val="FFFFFF">
+                          <a:alpha val="0"/>
+                        </a:srgbClr>
+                      </a:solidFill>
+                      <a:prstDash val="solid"/>
+                    </a:lnR>
+                    <a:lnT w="0" cmpd="sng" algn="ctr" cap="flat">
+                      <a:solidFill>
+                        <a:srgbClr val="FFFFFF">
+                          <a:alpha val="0"/>
+                        </a:srgbClr>
+                      </a:solidFill>
+                      <a:prstDash val="solid"/>
+                    </a:lnT>
+                    <a:lnB w="0" cmpd="sng" algn="ctr" cap="flat">
+                      <a:solidFill>
+                        <a:srgbClr val="FFFFFF">
+                          <a:alpha val="0"/>
+                        </a:srgbClr>
+                      </a:solidFill>
+                      <a:prstDash val="solid"/>
+                    </a:lnB>
+                  </a:tcPr>
+                </a:tc>
+                <a:tc>
+                  <a:txBody>
+                    <a:bodyPr/>
+                    <a:lstStyle/>
+                    <a:p>
+                      <a:pPr algn="r" marL="63500" marR="63500">
+                        <a:spcBef>
+                          <a:spcPts val="200"/>
+                        </a:spcBef>
+                        <a:spcAft>
+                          <a:spcPts val="200"/>
+                        </a:spcAft>
+                        <a:buNone/>
+                      </a:pPr>
+                      <a:r>
+                        <a:rPr sz="1100">
+                          <a:solidFill>
+                            <a:srgbClr val="111111">
+                              <a:alpha val="100000"/>
+                            </a:srgbClr>
+                          </a:solidFill>
+                          <a:latin typeface="Arial"/>
+                          <a:cs typeface="Arial"/>
+                        </a:rPr>
+                        <a:t>$16,303</a:t>
+                      </a:r>
+                    </a:p>
+                  </a:txBody>
+                  <a:tcPr anchor="ctr" marB="0" marT="0" marR="0" marL="0">
+                    <a:lnL w="0" cmpd="sng" algn="ctr" cap="flat">
+                      <a:solidFill>
+                        <a:srgbClr val="FFFFFF">
+                          <a:alpha val="0"/>
+                        </a:srgbClr>
+                      </a:solidFill>
+                      <a:prstDash val="solid"/>
+                    </a:lnL>
+                    <a:lnR w="0" cmpd="sng" algn="ctr" cap="flat">
+                      <a:solidFill>
+                        <a:srgbClr val="FFFFFF">
+                          <a:alpha val="0"/>
+                        </a:srgbClr>
+                      </a:solidFill>
+                      <a:prstDash val="solid"/>
+                    </a:lnR>
+                    <a:lnT w="0" cmpd="sng" algn="ctr" cap="flat">
+                      <a:solidFill>
+                        <a:srgbClr val="FFFFFF">
+                          <a:alpha val="0"/>
+                        </a:srgbClr>
+                      </a:solidFill>
+                      <a:prstDash val="solid"/>
+                    </a:lnT>
+                    <a:lnB w="0" cmpd="sng" algn="ctr" cap="flat">
+                      <a:solidFill>
+                        <a:srgbClr val="FFFFFF">
+                          <a:alpha val="0"/>
+                        </a:srgbClr>
+                      </a:solidFill>
+                      <a:prstDash val="solid"/>
+                    </a:lnB>
+                  </a:tcPr>
+                </a:tc>
+                <a:tc>
+                  <a:txBody>
+                    <a:bodyPr/>
+                    <a:lstStyle/>
+                    <a:p>
+                      <a:pPr algn="r" marL="63500" marR="63500">
+                        <a:spcBef>
+                          <a:spcPts val="200"/>
+                        </a:spcBef>
+                        <a:spcAft>
+                          <a:spcPts val="200"/>
+                        </a:spcAft>
+                        <a:buNone/>
+                      </a:pPr>
+                      <a:r>
+                        <a:rPr sz="1100">
+                          <a:solidFill>
+                            <a:srgbClr val="111111">
+                              <a:alpha val="100000"/>
+                            </a:srgbClr>
+                          </a:solidFill>
+                          <a:latin typeface="Arial"/>
+                          <a:cs typeface="Arial"/>
+                        </a:rPr>
+                        <a:t>19</a:t>
+                      </a:r>
+                    </a:p>
+                  </a:txBody>
+                  <a:tcPr anchor="ctr" marB="0" marT="0" marR="0" marL="0">
+                    <a:lnL w="0" cmpd="sng" algn="ctr" cap="flat">
+                      <a:solidFill>
+                        <a:srgbClr val="FFFFFF">
+                          <a:alpha val="0"/>
+                        </a:srgbClr>
+                      </a:solidFill>
+                      <a:prstDash val="solid"/>
+                    </a:lnL>
+                    <a:lnR w="0" cmpd="sng" algn="ctr" cap="flat">
+                      <a:solidFill>
+                        <a:srgbClr val="FFFFFF">
+                          <a:alpha val="0"/>
+                        </a:srgbClr>
+                      </a:solidFill>
+                      <a:prstDash val="solid"/>
+                    </a:lnR>
+                    <a:lnT w="0" cmpd="sng" algn="ctr" cap="flat">
+                      <a:solidFill>
+                        <a:srgbClr val="FFFFFF">
+                          <a:alpha val="0"/>
+                        </a:srgbClr>
+                      </a:solidFill>
+                      <a:prstDash val="solid"/>
+                    </a:lnT>
+                    <a:lnB w="0" cmpd="sng" algn="ctr" cap="flat">
+                      <a:solidFill>
+                        <a:srgbClr val="FFFFFF">
+                          <a:alpha val="0"/>
+                        </a:srgbClr>
+                      </a:solidFill>
+                      <a:prstDash val="solid"/>
+                    </a:lnB>
+                  </a:tcPr>
+                </a:tc>
+              </a:tr>
+              <a:tr h="288158">
+                <a:tc>
+                  <a:txBody>
+                    <a:bodyPr/>
+                    <a:lstStyle/>
+                    <a:p>
+                      <a:pPr algn="l" marL="63500" marR="63500">
+                        <a:spcBef>
+                          <a:spcPts val="200"/>
+                        </a:spcBef>
+                        <a:spcAft>
+                          <a:spcPts val="200"/>
+                        </a:spcAft>
+                        <a:buNone/>
+                      </a:pPr>
+                      <a:r>
+                        <a:rPr sz="1100">
+                          <a:solidFill>
+                            <a:srgbClr val="111111">
+                              <a:alpha val="100000"/>
+                            </a:srgbClr>
+                          </a:solidFill>
+                          <a:latin typeface="Arial"/>
+                          <a:cs typeface="Arial"/>
+                        </a:rPr>
+                        <a:t>Vandeventer</a:t>
+                      </a:r>
+                    </a:p>
+                  </a:txBody>
+                  <a:tcPr anchor="ctr" marB="0" marT="0" marR="0" marL="0">
+                    <a:lnL w="0" cmpd="sng" algn="ctr" cap="flat">
+                      <a:solidFill>
+                        <a:srgbClr val="FFFFFF">
+                          <a:alpha val="0"/>
+                        </a:srgbClr>
+                      </a:solidFill>
+                      <a:prstDash val="solid"/>
+                    </a:lnL>
+                    <a:lnR w="0" cmpd="sng" algn="ctr" cap="flat">
+                      <a:solidFill>
+                        <a:srgbClr val="FFFFFF">
+                          <a:alpha val="0"/>
+                        </a:srgbClr>
+                      </a:solidFill>
+                      <a:prstDash val="solid"/>
+                    </a:lnR>
+                    <a:lnT w="0" cmpd="sng" algn="ctr" cap="flat">
+                      <a:solidFill>
+                        <a:srgbClr val="FFFFFF">
+                          <a:alpha val="0"/>
+                        </a:srgbClr>
+                      </a:solidFill>
+                      <a:prstDash val="solid"/>
+                    </a:lnT>
+                    <a:lnB w="0" cmpd="sng" algn="ctr" cap="flat">
+                      <a:solidFill>
+                        <a:srgbClr val="FFFFFF">
+                          <a:alpha val="0"/>
+                        </a:srgbClr>
+                      </a:solidFill>
+                      <a:prstDash val="solid"/>
+                    </a:lnB>
+                  </a:tcPr>
+                </a:tc>
+                <a:tc>
+                  <a:txBody>
+                    <a:bodyPr/>
+                    <a:lstStyle/>
+                    <a:p>
+                      <a:pPr algn="r" marL="63500" marR="63500">
+                        <a:spcBef>
+                          <a:spcPts val="200"/>
+                        </a:spcBef>
+                        <a:spcAft>
+                          <a:spcPts val="200"/>
+                        </a:spcAft>
+                        <a:buNone/>
+                      </a:pPr>
+                      <a:r>
+                        <a:rPr sz="1100">
+                          <a:solidFill>
+                            <a:srgbClr val="111111">
+                              <a:alpha val="100000"/>
+                            </a:srgbClr>
+                          </a:solidFill>
+                          <a:latin typeface="Arial"/>
+                          <a:cs typeface="Arial"/>
+                        </a:rPr>
+                        <a:t>$8,731</a:t>
+                      </a:r>
+                    </a:p>
+                  </a:txBody>
+                  <a:tcPr anchor="ctr" marB="0" marT="0" marR="0" marL="0">
+                    <a:lnL w="0" cmpd="sng" algn="ctr" cap="flat">
+                      <a:solidFill>
+                        <a:srgbClr val="FFFFFF">
+                          <a:alpha val="0"/>
+                        </a:srgbClr>
+                      </a:solidFill>
+                      <a:prstDash val="solid"/>
+                    </a:lnL>
+                    <a:lnR w="0" cmpd="sng" algn="ctr" cap="flat">
+                      <a:solidFill>
+                        <a:srgbClr val="FFFFFF">
+                          <a:alpha val="0"/>
+                        </a:srgbClr>
+                      </a:solidFill>
+                      <a:prstDash val="solid"/>
+                    </a:lnR>
+                    <a:lnT w="0" cmpd="sng" algn="ctr" cap="flat">
+                      <a:solidFill>
+                        <a:srgbClr val="FFFFFF">
+                          <a:alpha val="0"/>
+                        </a:srgbClr>
+                      </a:solidFill>
+                      <a:prstDash val="solid"/>
+                    </a:lnT>
+                    <a:lnB w="0" cmpd="sng" algn="ctr" cap="flat">
+                      <a:solidFill>
+                        <a:srgbClr val="FFFFFF">
+                          <a:alpha val="0"/>
+                        </a:srgbClr>
+                      </a:solidFill>
+                      <a:prstDash val="solid"/>
+                    </a:lnB>
+                  </a:tcPr>
+                </a:tc>
+                <a:tc>
+                  <a:txBody>
+                    <a:bodyPr/>
+                    <a:lstStyle/>
+                    <a:p>
+                      <a:pPr algn="r" marL="63500" marR="63500">
+                        <a:spcBef>
+                          <a:spcPts val="200"/>
+                        </a:spcBef>
+                        <a:spcAft>
+                          <a:spcPts val="200"/>
+                        </a:spcAft>
+                        <a:buNone/>
+                      </a:pPr>
+                      <a:r>
+                        <a:rPr sz="1100">
+                          <a:solidFill>
+                            <a:srgbClr val="111111">
+                              <a:alpha val="100000"/>
+                            </a:srgbClr>
+                          </a:solidFill>
+                          <a:latin typeface="Arial"/>
+                          <a:cs typeface="Arial"/>
+                        </a:rPr>
+                        <a:t>1</a:t>
+                      </a:r>
+                    </a:p>
+                  </a:txBody>
+                  <a:tcPr anchor="ctr" marB="0" marT="0" marR="0" marL="0">
+                    <a:lnL w="0" cmpd="sng" algn="ctr" cap="flat">
+                      <a:solidFill>
+                        <a:srgbClr val="FFFFFF">
+                          <a:alpha val="0"/>
+                        </a:srgbClr>
+                      </a:solidFill>
+                      <a:prstDash val="solid"/>
+                    </a:lnL>
+                    <a:lnR w="0" cmpd="sng" algn="ctr" cap="flat">
+                      <a:solidFill>
+                        <a:srgbClr val="FFFFFF">
+                          <a:alpha val="0"/>
+                        </a:srgbClr>
+                      </a:solidFill>
+                      <a:prstDash val="solid"/>
+                    </a:lnR>
+                    <a:lnT w="0" cmpd="sng" algn="ctr" cap="flat">
+                      <a:solidFill>
+                        <a:srgbClr val="FFFFFF">
+                          <a:alpha val="0"/>
+                        </a:srgbClr>
+                      </a:solidFill>
+                      <a:prstDash val="solid"/>
+                    </a:lnT>
+                    <a:lnB w="0" cmpd="sng" algn="ctr" cap="flat">
+                      <a:solidFill>
+                        <a:srgbClr val="FFFFFF">
+                          <a:alpha val="0"/>
+                        </a:srgbClr>
+                      </a:solidFill>
+                      <a:prstDash val="solid"/>
+                    </a:lnB>
+                  </a:tcPr>
+                </a:tc>
+              </a:tr>
+              <a:tr h="288158">
+                <a:tc>
+                  <a:txBody>
+                    <a:bodyPr/>
+                    <a:lstStyle/>
+                    <a:p>
+                      <a:pPr algn="l" marL="63500" marR="63500">
+                        <a:spcBef>
+                          <a:spcPts val="200"/>
+                        </a:spcBef>
+                        <a:spcAft>
+                          <a:spcPts val="200"/>
+                        </a:spcAft>
+                        <a:buNone/>
+                      </a:pPr>
+                      <a:r>
+                        <a:rPr sz="1100">
+                          <a:solidFill>
+                            <a:srgbClr val="111111">
+                              <a:alpha val="100000"/>
+                            </a:srgbClr>
+                          </a:solidFill>
+                          <a:latin typeface="Arial"/>
+                          <a:cs typeface="Arial"/>
+                        </a:rPr>
+                        <a:t>Visitation Park</a:t>
+                      </a:r>
+                    </a:p>
+                  </a:txBody>
+                  <a:tcPr anchor="ctr" marB="0" marT="0" marR="0" marL="0">
+                    <a:lnL w="0" cmpd="sng" algn="ctr" cap="flat">
+                      <a:solidFill>
+                        <a:srgbClr val="FFFFFF">
+                          <a:alpha val="0"/>
+                        </a:srgbClr>
+                      </a:solidFill>
+                      <a:prstDash val="solid"/>
+                    </a:lnL>
+                    <a:lnR w="0" cmpd="sng" algn="ctr" cap="flat">
+                      <a:solidFill>
+                        <a:srgbClr val="FFFFFF">
+                          <a:alpha val="0"/>
+                        </a:srgbClr>
+                      </a:solidFill>
+                      <a:prstDash val="solid"/>
+                    </a:lnR>
+                    <a:lnT w="0" cmpd="sng" algn="ctr" cap="flat">
+                      <a:solidFill>
+                        <a:srgbClr val="FFFFFF">
+                          <a:alpha val="0"/>
+                        </a:srgbClr>
+                      </a:solidFill>
+                      <a:prstDash val="solid"/>
+                    </a:lnT>
+                    <a:lnB w="0" cmpd="sng" algn="ctr" cap="flat">
+                      <a:solidFill>
+                        <a:srgbClr val="FFFFFF">
+                          <a:alpha val="0"/>
+                        </a:srgbClr>
+                      </a:solidFill>
+                      <a:prstDash val="solid"/>
+                    </a:lnB>
+                  </a:tcPr>
+                </a:tc>
+                <a:tc>
+                  <a:txBody>
+                    <a:bodyPr/>
+                    <a:lstStyle/>
+                    <a:p>
+                      <a:pPr algn="r" marL="63500" marR="63500">
+                        <a:spcBef>
+                          <a:spcPts val="200"/>
+                        </a:spcBef>
+                        <a:spcAft>
+                          <a:spcPts val="200"/>
+                        </a:spcAft>
+                        <a:buNone/>
+                      </a:pPr>
+                      <a:r>
+                        <a:rPr sz="1100">
+                          <a:solidFill>
+                            <a:srgbClr val="111111">
+                              <a:alpha val="100000"/>
+                            </a:srgbClr>
+                          </a:solidFill>
+                          <a:latin typeface="Arial"/>
+                          <a:cs typeface="Arial"/>
+                        </a:rPr>
+                        <a:t>$14,000</a:t>
+                      </a:r>
+                    </a:p>
+                  </a:txBody>
+                  <a:tcPr anchor="ctr" marB="0" marT="0" marR="0" marL="0">
+                    <a:lnL w="0" cmpd="sng" algn="ctr" cap="flat">
+                      <a:solidFill>
+                        <a:srgbClr val="FFFFFF">
+                          <a:alpha val="0"/>
+                        </a:srgbClr>
+                      </a:solidFill>
+                      <a:prstDash val="solid"/>
+                    </a:lnL>
+                    <a:lnR w="0" cmpd="sng" algn="ctr" cap="flat">
+                      <a:solidFill>
+                        <a:srgbClr val="FFFFFF">
+                          <a:alpha val="0"/>
+                        </a:srgbClr>
+                      </a:solidFill>
+                      <a:prstDash val="solid"/>
+                    </a:lnR>
+                    <a:lnT w="0" cmpd="sng" algn="ctr" cap="flat">
+                      <a:solidFill>
+                        <a:srgbClr val="FFFFFF">
+                          <a:alpha val="0"/>
+                        </a:srgbClr>
+                      </a:solidFill>
+                      <a:prstDash val="solid"/>
+                    </a:lnT>
+                    <a:lnB w="0" cmpd="sng" algn="ctr" cap="flat">
+                      <a:solidFill>
+                        <a:srgbClr val="FFFFFF">
+                          <a:alpha val="0"/>
+                        </a:srgbClr>
+                      </a:solidFill>
+                      <a:prstDash val="solid"/>
+                    </a:lnB>
+                  </a:tcPr>
+                </a:tc>
+                <a:tc>
+                  <a:txBody>
+                    <a:bodyPr/>
+                    <a:lstStyle/>
+                    <a:p>
+                      <a:pPr algn="r" marL="63500" marR="63500">
+                        <a:spcBef>
+                          <a:spcPts val="200"/>
+                        </a:spcBef>
+                        <a:spcAft>
+                          <a:spcPts val="200"/>
+                        </a:spcAft>
+                        <a:buNone/>
+                      </a:pPr>
+                      <a:r>
+                        <a:rPr sz="1100">
+                          <a:solidFill>
+                            <a:srgbClr val="111111">
+                              <a:alpha val="100000"/>
+                            </a:srgbClr>
+                          </a:solidFill>
+                          <a:latin typeface="Arial"/>
+                          <a:cs typeface="Arial"/>
+                        </a:rPr>
+                        <a:t>1</a:t>
+                      </a:r>
+                    </a:p>
+                  </a:txBody>
+                  <a:tcPr anchor="ctr" marB="0" marT="0" marR="0" marL="0">
+                    <a:lnL w="0" cmpd="sng" algn="ctr" cap="flat">
+                      <a:solidFill>
+                        <a:srgbClr val="FFFFFF">
+                          <a:alpha val="0"/>
+                        </a:srgbClr>
+                      </a:solidFill>
+                      <a:prstDash val="solid"/>
+                    </a:lnL>
+                    <a:lnR w="0" cmpd="sng" algn="ctr" cap="flat">
+                      <a:solidFill>
+                        <a:srgbClr val="FFFFFF">
+                          <a:alpha val="0"/>
+                        </a:srgbClr>
+                      </a:solidFill>
+                      <a:prstDash val="solid"/>
+                    </a:lnR>
+                    <a:lnT w="0" cmpd="sng" algn="ctr" cap="flat">
+                      <a:solidFill>
+                        <a:srgbClr val="FFFFFF">
+                          <a:alpha val="0"/>
+                        </a:srgbClr>
+                      </a:solidFill>
+                      <a:prstDash val="solid"/>
+                    </a:lnT>
+                    <a:lnB w="0" cmpd="sng" algn="ctr" cap="flat">
+                      <a:solidFill>
+                        <a:srgbClr val="FFFFFF">
+                          <a:alpha val="0"/>
+                        </a:srgbClr>
+                      </a:solidFill>
+                      <a:prstDash val="solid"/>
+                    </a:lnB>
+                  </a:tcPr>
+                </a:tc>
+              </a:tr>
+              <a:tr h="288158">
+                <a:tc>
+                  <a:txBody>
+                    <a:bodyPr/>
+                    <a:lstStyle/>
+                    <a:p>
+                      <a:pPr algn="l" marL="63500" marR="63500">
+                        <a:spcBef>
+                          <a:spcPts val="200"/>
+                        </a:spcBef>
+                        <a:spcAft>
+                          <a:spcPts val="200"/>
+                        </a:spcAft>
+                        <a:buNone/>
+                      </a:pPr>
+                      <a:r>
+                        <a:rPr sz="1100">
+                          <a:solidFill>
+                            <a:srgbClr val="111111">
+                              <a:alpha val="100000"/>
+                            </a:srgbClr>
+                          </a:solidFill>
+                          <a:latin typeface="Arial"/>
+                          <a:cs typeface="Arial"/>
+                        </a:rPr>
+                        <a:t>West End</a:t>
+                      </a:r>
+                    </a:p>
+                  </a:txBody>
+                  <a:tcPr anchor="ctr" marB="0" marT="0" marR="0" marL="0">
+                    <a:lnL w="0" cmpd="sng" algn="ctr" cap="flat">
+                      <a:solidFill>
+                        <a:srgbClr val="FFFFFF">
+                          <a:alpha val="0"/>
+                        </a:srgbClr>
+                      </a:solidFill>
+                      <a:prstDash val="solid"/>
+                    </a:lnL>
+                    <a:lnR w="0" cmpd="sng" algn="ctr" cap="flat">
+                      <a:solidFill>
+                        <a:srgbClr val="FFFFFF">
+                          <a:alpha val="0"/>
+                        </a:srgbClr>
+                      </a:solidFill>
+                      <a:prstDash val="solid"/>
+                    </a:lnR>
+                    <a:lnT w="0" cmpd="sng" algn="ctr" cap="flat">
+                      <a:solidFill>
+                        <a:srgbClr val="FFFFFF">
+                          <a:alpha val="0"/>
+                        </a:srgbClr>
+                      </a:solidFill>
+                      <a:prstDash val="solid"/>
+                    </a:lnT>
+                    <a:lnB w="25400" cmpd="sng" algn="ctr" cap="flat">
+                      <a:solidFill>
+                        <a:srgbClr val="000000">
+                          <a:alpha val="100000"/>
+                        </a:srgbClr>
+                      </a:solidFill>
+                      <a:prstDash val="solid"/>
+                    </a:lnB>
+                  </a:tcPr>
+                </a:tc>
+                <a:tc>
+                  <a:txBody>
+                    <a:bodyPr/>
+                    <a:lstStyle/>
+                    <a:p>
+                      <a:pPr algn="r" marL="63500" marR="63500">
+                        <a:spcBef>
+                          <a:spcPts val="200"/>
+                        </a:spcBef>
+                        <a:spcAft>
+                          <a:spcPts val="200"/>
+                        </a:spcAft>
+                        <a:buNone/>
+                      </a:pPr>
+                      <a:r>
+                        <a:rPr sz="1100">
+                          <a:solidFill>
+                            <a:srgbClr val="111111">
+                              <a:alpha val="100000"/>
+                            </a:srgbClr>
+                          </a:solidFill>
+                          <a:latin typeface="Arial"/>
+                          <a:cs typeface="Arial"/>
+                        </a:rPr>
+                        <a:t>$161,081</a:t>
+                      </a:r>
+                    </a:p>
+                  </a:txBody>
+                  <a:tcPr anchor="ctr" marB="0" marT="0" marR="0" marL="0">
+                    <a:lnL w="0" cmpd="sng" algn="ctr" cap="flat">
+                      <a:solidFill>
+                        <a:srgbClr val="FFFFFF">
+                          <a:alpha val="0"/>
+                        </a:srgbClr>
+                      </a:solidFill>
+                      <a:prstDash val="solid"/>
+                    </a:lnL>
+                    <a:lnR w="0" cmpd="sng" algn="ctr" cap="flat">
+                      <a:solidFill>
+                        <a:srgbClr val="FFFFFF">
+                          <a:alpha val="0"/>
+                        </a:srgbClr>
+                      </a:solidFill>
+                      <a:prstDash val="solid"/>
+                    </a:lnR>
+                    <a:lnT w="0" cmpd="sng" algn="ctr" cap="flat">
+                      <a:solidFill>
+                        <a:srgbClr val="FFFFFF">
+                          <a:alpha val="0"/>
+                        </a:srgbClr>
+                      </a:solidFill>
+                      <a:prstDash val="solid"/>
+                    </a:lnT>
+                    <a:lnB w="25400" cmpd="sng" algn="ctr" cap="flat">
+                      <a:solidFill>
+                        <a:srgbClr val="000000">
+                          <a:alpha val="100000"/>
+                        </a:srgbClr>
+                      </a:solidFill>
+                      <a:prstDash val="solid"/>
+                    </a:lnB>
+                  </a:tcPr>
+                </a:tc>
+                <a:tc>
+                  <a:txBody>
+                    <a:bodyPr/>
+                    <a:lstStyle/>
+                    <a:p>
+                      <a:pPr algn="r" marL="63500" marR="63500">
+                        <a:spcBef>
+                          <a:spcPts val="200"/>
+                        </a:spcBef>
+                        <a:spcAft>
+                          <a:spcPts val="200"/>
+                        </a:spcAft>
+                        <a:buNone/>
+                      </a:pPr>
+                      <a:r>
+                        <a:rPr sz="1100">
+                          <a:solidFill>
+                            <a:srgbClr val="111111">
+                              <a:alpha val="100000"/>
+                            </a:srgbClr>
+                          </a:solidFill>
+                          <a:latin typeface="Arial"/>
+                          <a:cs typeface="Arial"/>
+                        </a:rPr>
+                        <a:t>8</a:t>
+                      </a:r>
+                    </a:p>
+                  </a:txBody>
+                  <a:tcPr anchor="ctr" marB="0" marT="0" marR="0" marL="0">
+                    <a:lnL w="0" cmpd="sng" algn="ctr" cap="flat">
+                      <a:solidFill>
+                        <a:srgbClr val="FFFFFF">
+                          <a:alpha val="0"/>
+                        </a:srgbClr>
+                      </a:solidFill>
+                      <a:prstDash val="solid"/>
+                    </a:lnL>
+                    <a:lnR w="0" cmpd="sng" algn="ctr" cap="flat">
+                      <a:solidFill>
+                        <a:srgbClr val="FFFFFF">
+                          <a:alpha val="0"/>
+                        </a:srgbClr>
+                      </a:solidFill>
+                      <a:prstDash val="solid"/>
+                    </a:lnR>
+                    <a:lnT w="0" cmpd="sng" algn="ctr" cap="flat">
+                      <a:solidFill>
+                        <a:srgbClr val="FFFFFF">
+                          <a:alpha val="0"/>
+                        </a:srgbClr>
+                      </a:solidFill>
+                      <a:prstDash val="solid"/>
+                    </a:lnT>
+                    <a:lnB w="25400" cmpd="sng" algn="ctr" cap="flat">
+                      <a:solidFill>
+                        <a:srgbClr val="000000">
+                          <a:alpha val="100000"/>
+                        </a:srgbClr>
+                      </a:solidFill>
+                      <a:prstDash val="solid"/>
+                    </a:lnB>
+                  </a:tcPr>
+                </a:tc>
+              </a:tr>
+            </a:tbl>
+          </a:graphicData>
+        </a:graphic>
+      </p:graphicFrame>
+    </p:spTree>
+  </p:cSld>
+  <p:clrMapOvr>
+    <a:masterClrMapping/>
+  </p:clrMapOvr>
+</p:sld>
+</file>
+
+<file path=ppt/slides/slide40.xml><?xml version="1.0" encoding="utf-8"?>
 <p:sld xmlns:a="http://schemas.openxmlformats.org/drawingml/2006/main" xmlns:r="http://schemas.openxmlformats.org/officeDocument/2006/relationships" xmlns:p="http://schemas.openxmlformats.org/presentationml/2006/main">
   <p:cSld>
     <p:spTree>
@@ -11092,1803 +12746,7 @@
 </p:sld>
 </file>
 
-<file path=ppt/slides/slide4.xml><?xml version="1.0" encoding="utf-8"?>
-<p:sld xmlns:a="http://schemas.openxmlformats.org/drawingml/2006/main" xmlns:r="http://schemas.openxmlformats.org/officeDocument/2006/relationships" xmlns:p="http://schemas.openxmlformats.org/presentationml/2006/main">
-  <p:cSld>
-    <p:spTree>
-      <p:nvGrpSpPr>
-        <p:cNvPr id="1" name=""/>
-        <p:cNvGrpSpPr/>
-        <p:nvPr/>
-      </p:nvGrpSpPr>
-      <p:grpSpPr>
-        <a:xfrm>
-          <a:off x="0" y="0"/>
-          <a:ext cx="0" cy="0"/>
-          <a:chOff x="0" y="0"/>
-          <a:chExt cx="0" cy="0"/>
-        </a:xfrm>
-      </p:grpSpPr>
-      <p:sp xmlns:a="http://schemas.openxmlformats.org/drawingml/2006/main" xmlns:r="http://schemas.openxmlformats.org/officeDocument/2006/relationships" xmlns:p="http://schemas.openxmlformats.org/presentationml/2006/main">
-        <p:nvSpPr>
-          <p:cNvPr id="2" name="Title 1"/>
-          <p:cNvSpPr>
-            <a:spLocks noGrp="1"/>
-          </p:cNvSpPr>
-          <p:nvPr>
-            <p:ph type="title"/>
-          </p:nvPr>
-        </p:nvSpPr>
-        <p:spPr>
-          <a:xfrm>
-            <a:off x="457200" y="274638"/>
-            <a:ext cx="8229600" cy="1143000"/>
-          </a:xfrm>
-        </p:spPr>
-        <p:txBody>
-          <a:bodyPr/>
-          <a:lstStyle/>
-          <a:p>
-            <a:r>
-              <a:rPr/>
-              <a:t>Neighborhood Summary</a:t>
-            </a:r>
-          </a:p>
-        </p:txBody>
-      </p:sp>
-      <p:graphicFrame xmlns:a="http://schemas.openxmlformats.org/drawingml/2006/main" xmlns:r="http://schemas.openxmlformats.org/officeDocument/2006/relationships" xmlns:p="http://schemas.openxmlformats.org/presentationml/2006/main">
-        <p:nvGraphicFramePr>
-          <p:cNvPr id="3" name="Content Placeholder 2"/>
-          <p:cNvGraphicFramePr>
-            <a:graphicFrameLocks noGrp="true"/>
-          </p:cNvGraphicFramePr>
-          <p:nvPr/>
-        </p:nvGraphicFramePr>
-        <p:xfrm rot="0">
-          <a:off x="457200" y="1600200"/>
-          <a:ext cx="8229600" cy="4525963"/>
-        </p:xfrm>
-        <a:graphic>
-          <a:graphicData uri="http://schemas.openxmlformats.org/drawingml/2006/table">
-            <a:tbl>
-              <a:tblPr/>
-              <a:tblGrid>
-                <a:gridCol w="1650679"/>
-                <a:gridCol w="843448"/>
-                <a:gridCol w="602520"/>
-              </a:tblGrid>
-              <a:tr h="286967">
-                <a:tc>
-                  <a:txBody>
-                    <a:bodyPr/>
-                    <a:lstStyle/>
-                    <a:p>
-                      <a:pPr algn="l" marL="63500" marR="63500">
-                        <a:spcBef>
-                          <a:spcPts val="200"/>
-                        </a:spcBef>
-                        <a:spcAft>
-                          <a:spcPts val="200"/>
-                        </a:spcAft>
-                        <a:buNone/>
-                      </a:pPr>
-                      <a:r>
-                        <a:rPr sz="1100">
-                          <a:solidFill>
-                            <a:srgbClr val="111111">
-                              <a:alpha val="100000"/>
-                            </a:srgbClr>
-                          </a:solidFill>
-                          <a:latin typeface="Arial"/>
-                          <a:cs typeface="Arial"/>
-                        </a:rPr>
-                        <a:t>Neighborhood</a:t>
-                      </a:r>
-                    </a:p>
-                  </a:txBody>
-                  <a:tcPr anchor="ctr" marB="0" marT="0" marR="0" marL="0">
-                    <a:lnL w="0" cmpd="sng" algn="ctr" cap="flat">
-                      <a:solidFill>
-                        <a:srgbClr val="FFFFFF">
-                          <a:alpha val="0"/>
-                        </a:srgbClr>
-                      </a:solidFill>
-                      <a:prstDash val="solid"/>
-                    </a:lnL>
-                    <a:lnR w="0" cmpd="sng" algn="ctr" cap="flat">
-                      <a:solidFill>
-                        <a:srgbClr val="FFFFFF">
-                          <a:alpha val="0"/>
-                        </a:srgbClr>
-                      </a:solidFill>
-                      <a:prstDash val="solid"/>
-                    </a:lnR>
-                    <a:lnT w="25400" cmpd="sng" algn="ctr" cap="flat">
-                      <a:solidFill>
-                        <a:srgbClr val="000000">
-                          <a:alpha val="100000"/>
-                        </a:srgbClr>
-                      </a:solidFill>
-                      <a:prstDash val="solid"/>
-                    </a:lnT>
-                    <a:lnB w="25400" cmpd="sng" algn="ctr" cap="flat">
-                      <a:solidFill>
-                        <a:srgbClr val="000000">
-                          <a:alpha val="100000"/>
-                        </a:srgbClr>
-                      </a:solidFill>
-                      <a:prstDash val="solid"/>
-                    </a:lnB>
-                  </a:tcPr>
-                </a:tc>
-                <a:tc>
-                  <a:txBody>
-                    <a:bodyPr/>
-                    <a:lstStyle/>
-                    <a:p>
-                      <a:pPr algn="r" marL="63500" marR="63500">
-                        <a:spcBef>
-                          <a:spcPts val="200"/>
-                        </a:spcBef>
-                        <a:spcAft>
-                          <a:spcPts val="200"/>
-                        </a:spcAft>
-                        <a:buNone/>
-                      </a:pPr>
-                      <a:r>
-                        <a:rPr sz="1100">
-                          <a:solidFill>
-                            <a:srgbClr val="111111">
-                              <a:alpha val="100000"/>
-                            </a:srgbClr>
-                          </a:solidFill>
-                          <a:latin typeface="Arial"/>
-                          <a:cs typeface="Arial"/>
-                        </a:rPr>
-                        <a:t>Average Cost</a:t>
-                      </a:r>
-                    </a:p>
-                  </a:txBody>
-                  <a:tcPr anchor="ctr" marB="0" marT="0" marR="0" marL="0">
-                    <a:lnL w="0" cmpd="sng" algn="ctr" cap="flat">
-                      <a:solidFill>
-                        <a:srgbClr val="FFFFFF">
-                          <a:alpha val="0"/>
-                        </a:srgbClr>
-                      </a:solidFill>
-                      <a:prstDash val="solid"/>
-                    </a:lnL>
-                    <a:lnR w="0" cmpd="sng" algn="ctr" cap="flat">
-                      <a:solidFill>
-                        <a:srgbClr val="FFFFFF">
-                          <a:alpha val="0"/>
-                        </a:srgbClr>
-                      </a:solidFill>
-                      <a:prstDash val="solid"/>
-                    </a:lnR>
-                    <a:lnT w="25400" cmpd="sng" algn="ctr" cap="flat">
-                      <a:solidFill>
-                        <a:srgbClr val="000000">
-                          <a:alpha val="100000"/>
-                        </a:srgbClr>
-                      </a:solidFill>
-                      <a:prstDash val="solid"/>
-                    </a:lnT>
-                    <a:lnB w="25400" cmpd="sng" algn="ctr" cap="flat">
-                      <a:solidFill>
-                        <a:srgbClr val="000000">
-                          <a:alpha val="100000"/>
-                        </a:srgbClr>
-                      </a:solidFill>
-                      <a:prstDash val="solid"/>
-                    </a:lnB>
-                  </a:tcPr>
-                </a:tc>
-                <a:tc>
-                  <a:txBody>
-                    <a:bodyPr/>
-                    <a:lstStyle/>
-                    <a:p>
-                      <a:pPr algn="r" marL="63500" marR="63500">
-                        <a:spcBef>
-                          <a:spcPts val="200"/>
-                        </a:spcBef>
-                        <a:spcAft>
-                          <a:spcPts val="200"/>
-                        </a:spcAft>
-                        <a:buNone/>
-                      </a:pPr>
-                      <a:r>
-                        <a:rPr sz="1100">
-                          <a:solidFill>
-                            <a:srgbClr val="111111">
-                              <a:alpha val="100000"/>
-                            </a:srgbClr>
-                          </a:solidFill>
-                          <a:latin typeface="Arial"/>
-                          <a:cs typeface="Arial"/>
-                        </a:rPr>
-                        <a:t># of Permits</a:t>
-                      </a:r>
-                    </a:p>
-                  </a:txBody>
-                  <a:tcPr anchor="ctr" marB="0" marT="0" marR="0" marL="0">
-                    <a:lnL w="0" cmpd="sng" algn="ctr" cap="flat">
-                      <a:solidFill>
-                        <a:srgbClr val="FFFFFF">
-                          <a:alpha val="0"/>
-                        </a:srgbClr>
-                      </a:solidFill>
-                      <a:prstDash val="solid"/>
-                    </a:lnL>
-                    <a:lnR w="0" cmpd="sng" algn="ctr" cap="flat">
-                      <a:solidFill>
-                        <a:srgbClr val="FFFFFF">
-                          <a:alpha val="0"/>
-                        </a:srgbClr>
-                      </a:solidFill>
-                      <a:prstDash val="solid"/>
-                    </a:lnR>
-                    <a:lnT w="25400" cmpd="sng" algn="ctr" cap="flat">
-                      <a:solidFill>
-                        <a:srgbClr val="000000">
-                          <a:alpha val="100000"/>
-                        </a:srgbClr>
-                      </a:solidFill>
-                      <a:prstDash val="solid"/>
-                    </a:lnT>
-                    <a:lnB w="25400" cmpd="sng" algn="ctr" cap="flat">
-                      <a:solidFill>
-                        <a:srgbClr val="000000">
-                          <a:alpha val="100000"/>
-                        </a:srgbClr>
-                      </a:solidFill>
-                      <a:prstDash val="solid"/>
-                    </a:lnB>
-                  </a:tcPr>
-                </a:tc>
-              </a:tr>
-              <a:tr h="288555">
-                <a:tc>
-                  <a:txBody>
-                    <a:bodyPr/>
-                    <a:lstStyle/>
-                    <a:p>
-                      <a:pPr algn="l" marL="63500" marR="63500">
-                        <a:spcBef>
-                          <a:spcPts val="200"/>
-                        </a:spcBef>
-                        <a:spcAft>
-                          <a:spcPts val="200"/>
-                        </a:spcAft>
-                        <a:buNone/>
-                      </a:pPr>
-                      <a:r>
-                        <a:rPr sz="1100">
-                          <a:solidFill>
-                            <a:srgbClr val="111111">
-                              <a:alpha val="100000"/>
-                            </a:srgbClr>
-                          </a:solidFill>
-                          <a:latin typeface="Arial"/>
-                          <a:cs typeface="Arial"/>
-                        </a:rPr>
-                        <a:t>Academy</a:t>
-                      </a:r>
-                    </a:p>
-                  </a:txBody>
-                  <a:tcPr anchor="ctr" marB="0" marT="0" marR="0" marL="0">
-                    <a:lnL w="0" cmpd="sng" algn="ctr" cap="flat">
-                      <a:solidFill>
-                        <a:srgbClr val="FFFFFF">
-                          <a:alpha val="0"/>
-                        </a:srgbClr>
-                      </a:solidFill>
-                      <a:prstDash val="solid"/>
-                    </a:lnL>
-                    <a:lnR w="0" cmpd="sng" algn="ctr" cap="flat">
-                      <a:solidFill>
-                        <a:srgbClr val="FFFFFF">
-                          <a:alpha val="0"/>
-                        </a:srgbClr>
-                      </a:solidFill>
-                      <a:prstDash val="solid"/>
-                    </a:lnR>
-                    <a:lnT w="0" cmpd="sng" algn="ctr" cap="flat">
-                      <a:solidFill>
-                        <a:srgbClr val="FFFFFF">
-                          <a:alpha val="0"/>
-                        </a:srgbClr>
-                      </a:solidFill>
-                      <a:prstDash val="solid"/>
-                    </a:lnT>
-                    <a:lnB w="0" cmpd="sng" algn="ctr" cap="flat">
-                      <a:solidFill>
-                        <a:srgbClr val="FFFFFF">
-                          <a:alpha val="0"/>
-                        </a:srgbClr>
-                      </a:solidFill>
-                      <a:prstDash val="solid"/>
-                    </a:lnB>
-                  </a:tcPr>
-                </a:tc>
-                <a:tc>
-                  <a:txBody>
-                    <a:bodyPr/>
-                    <a:lstStyle/>
-                    <a:p>
-                      <a:pPr algn="r" marL="63500" marR="63500">
-                        <a:spcBef>
-                          <a:spcPts val="200"/>
-                        </a:spcBef>
-                        <a:spcAft>
-                          <a:spcPts val="200"/>
-                        </a:spcAft>
-                        <a:buNone/>
-                      </a:pPr>
-                      <a:r>
-                        <a:rPr sz="1100">
-                          <a:solidFill>
-                            <a:srgbClr val="111111">
-                              <a:alpha val="100000"/>
-                            </a:srgbClr>
-                          </a:solidFill>
-                          <a:latin typeface="Arial"/>
-                          <a:cs typeface="Arial"/>
-                        </a:rPr>
-                        <a:t>$91,667</a:t>
-                      </a:r>
-                    </a:p>
-                  </a:txBody>
-                  <a:tcPr anchor="ctr" marB="0" marT="0" marR="0" marL="0">
-                    <a:lnL w="0" cmpd="sng" algn="ctr" cap="flat">
-                      <a:solidFill>
-                        <a:srgbClr val="FFFFFF">
-                          <a:alpha val="0"/>
-                        </a:srgbClr>
-                      </a:solidFill>
-                      <a:prstDash val="solid"/>
-                    </a:lnL>
-                    <a:lnR w="0" cmpd="sng" algn="ctr" cap="flat">
-                      <a:solidFill>
-                        <a:srgbClr val="FFFFFF">
-                          <a:alpha val="0"/>
-                        </a:srgbClr>
-                      </a:solidFill>
-                      <a:prstDash val="solid"/>
-                    </a:lnR>
-                    <a:lnT w="0" cmpd="sng" algn="ctr" cap="flat">
-                      <a:solidFill>
-                        <a:srgbClr val="FFFFFF">
-                          <a:alpha val="0"/>
-                        </a:srgbClr>
-                      </a:solidFill>
-                      <a:prstDash val="solid"/>
-                    </a:lnT>
-                    <a:lnB w="0" cmpd="sng" algn="ctr" cap="flat">
-                      <a:solidFill>
-                        <a:srgbClr val="FFFFFF">
-                          <a:alpha val="0"/>
-                        </a:srgbClr>
-                      </a:solidFill>
-                      <a:prstDash val="solid"/>
-                    </a:lnB>
-                  </a:tcPr>
-                </a:tc>
-                <a:tc>
-                  <a:txBody>
-                    <a:bodyPr/>
-                    <a:lstStyle/>
-                    <a:p>
-                      <a:pPr algn="r" marL="63500" marR="63500">
-                        <a:spcBef>
-                          <a:spcPts val="200"/>
-                        </a:spcBef>
-                        <a:spcAft>
-                          <a:spcPts val="200"/>
-                        </a:spcAft>
-                        <a:buNone/>
-                      </a:pPr>
-                      <a:r>
-                        <a:rPr sz="1100">
-                          <a:solidFill>
-                            <a:srgbClr val="111111">
-                              <a:alpha val="100000"/>
-                            </a:srgbClr>
-                          </a:solidFill>
-                          <a:latin typeface="Arial"/>
-                          <a:cs typeface="Arial"/>
-                        </a:rPr>
-                        <a:t>3</a:t>
-                      </a:r>
-                    </a:p>
-                  </a:txBody>
-                  <a:tcPr anchor="ctr" marB="0" marT="0" marR="0" marL="0">
-                    <a:lnL w="0" cmpd="sng" algn="ctr" cap="flat">
-                      <a:solidFill>
-                        <a:srgbClr val="FFFFFF">
-                          <a:alpha val="0"/>
-                        </a:srgbClr>
-                      </a:solidFill>
-                      <a:prstDash val="solid"/>
-                    </a:lnL>
-                    <a:lnR w="0" cmpd="sng" algn="ctr" cap="flat">
-                      <a:solidFill>
-                        <a:srgbClr val="FFFFFF">
-                          <a:alpha val="0"/>
-                        </a:srgbClr>
-                      </a:solidFill>
-                      <a:prstDash val="solid"/>
-                    </a:lnR>
-                    <a:lnT w="0" cmpd="sng" algn="ctr" cap="flat">
-                      <a:solidFill>
-                        <a:srgbClr val="FFFFFF">
-                          <a:alpha val="0"/>
-                        </a:srgbClr>
-                      </a:solidFill>
-                      <a:prstDash val="solid"/>
-                    </a:lnT>
-                    <a:lnB w="0" cmpd="sng" algn="ctr" cap="flat">
-                      <a:solidFill>
-                        <a:srgbClr val="FFFFFF">
-                          <a:alpha val="0"/>
-                        </a:srgbClr>
-                      </a:solidFill>
-                      <a:prstDash val="solid"/>
-                    </a:lnB>
-                  </a:tcPr>
-                </a:tc>
-              </a:tr>
-              <a:tr h="288158">
-                <a:tc>
-                  <a:txBody>
-                    <a:bodyPr/>
-                    <a:lstStyle/>
-                    <a:p>
-                      <a:pPr algn="l" marL="63500" marR="63500">
-                        <a:spcBef>
-                          <a:spcPts val="200"/>
-                        </a:spcBef>
-                        <a:spcAft>
-                          <a:spcPts val="200"/>
-                        </a:spcAft>
-                        <a:buNone/>
-                      </a:pPr>
-                      <a:r>
-                        <a:rPr sz="1100">
-                          <a:solidFill>
-                            <a:srgbClr val="111111">
-                              <a:alpha val="100000"/>
-                            </a:srgbClr>
-                          </a:solidFill>
-                          <a:latin typeface="Arial"/>
-                          <a:cs typeface="Arial"/>
-                        </a:rPr>
-                        <a:t>Central West End</a:t>
-                      </a:r>
-                    </a:p>
-                  </a:txBody>
-                  <a:tcPr anchor="ctr" marB="0" marT="0" marR="0" marL="0">
-                    <a:lnL w="0" cmpd="sng" algn="ctr" cap="flat">
-                      <a:solidFill>
-                        <a:srgbClr val="FFFFFF">
-                          <a:alpha val="0"/>
-                        </a:srgbClr>
-                      </a:solidFill>
-                      <a:prstDash val="solid"/>
-                    </a:lnL>
-                    <a:lnR w="0" cmpd="sng" algn="ctr" cap="flat">
-                      <a:solidFill>
-                        <a:srgbClr val="FFFFFF">
-                          <a:alpha val="0"/>
-                        </a:srgbClr>
-                      </a:solidFill>
-                      <a:prstDash val="solid"/>
-                    </a:lnR>
-                    <a:lnT w="0" cmpd="sng" algn="ctr" cap="flat">
-                      <a:solidFill>
-                        <a:srgbClr val="FFFFFF">
-                          <a:alpha val="0"/>
-                        </a:srgbClr>
-                      </a:solidFill>
-                      <a:prstDash val="solid"/>
-                    </a:lnT>
-                    <a:lnB w="0" cmpd="sng" algn="ctr" cap="flat">
-                      <a:solidFill>
-                        <a:srgbClr val="FFFFFF">
-                          <a:alpha val="0"/>
-                        </a:srgbClr>
-                      </a:solidFill>
-                      <a:prstDash val="solid"/>
-                    </a:lnB>
-                  </a:tcPr>
-                </a:tc>
-                <a:tc>
-                  <a:txBody>
-                    <a:bodyPr/>
-                    <a:lstStyle/>
-                    <a:p>
-                      <a:pPr algn="r" marL="63500" marR="63500">
-                        <a:spcBef>
-                          <a:spcPts val="200"/>
-                        </a:spcBef>
-                        <a:spcAft>
-                          <a:spcPts val="200"/>
-                        </a:spcAft>
-                        <a:buNone/>
-                      </a:pPr>
-                      <a:r>
-                        <a:rPr sz="1100">
-                          <a:solidFill>
-                            <a:srgbClr val="111111">
-                              <a:alpha val="100000"/>
-                            </a:srgbClr>
-                          </a:solidFill>
-                          <a:latin typeface="Arial"/>
-                          <a:cs typeface="Arial"/>
-                        </a:rPr>
-                        <a:t>$53,581</a:t>
-                      </a:r>
-                    </a:p>
-                  </a:txBody>
-                  <a:tcPr anchor="ctr" marB="0" marT="0" marR="0" marL="0">
-                    <a:lnL w="0" cmpd="sng" algn="ctr" cap="flat">
-                      <a:solidFill>
-                        <a:srgbClr val="FFFFFF">
-                          <a:alpha val="0"/>
-                        </a:srgbClr>
-                      </a:solidFill>
-                      <a:prstDash val="solid"/>
-                    </a:lnL>
-                    <a:lnR w="0" cmpd="sng" algn="ctr" cap="flat">
-                      <a:solidFill>
-                        <a:srgbClr val="FFFFFF">
-                          <a:alpha val="0"/>
-                        </a:srgbClr>
-                      </a:solidFill>
-                      <a:prstDash val="solid"/>
-                    </a:lnR>
-                    <a:lnT w="0" cmpd="sng" algn="ctr" cap="flat">
-                      <a:solidFill>
-                        <a:srgbClr val="FFFFFF">
-                          <a:alpha val="0"/>
-                        </a:srgbClr>
-                      </a:solidFill>
-                      <a:prstDash val="solid"/>
-                    </a:lnT>
-                    <a:lnB w="0" cmpd="sng" algn="ctr" cap="flat">
-                      <a:solidFill>
-                        <a:srgbClr val="FFFFFF">
-                          <a:alpha val="0"/>
-                        </a:srgbClr>
-                      </a:solidFill>
-                      <a:prstDash val="solid"/>
-                    </a:lnB>
-                  </a:tcPr>
-                </a:tc>
-                <a:tc>
-                  <a:txBody>
-                    <a:bodyPr/>
-                    <a:lstStyle/>
-                    <a:p>
-                      <a:pPr algn="r" marL="63500" marR="63500">
-                        <a:spcBef>
-                          <a:spcPts val="200"/>
-                        </a:spcBef>
-                        <a:spcAft>
-                          <a:spcPts val="200"/>
-                        </a:spcAft>
-                        <a:buNone/>
-                      </a:pPr>
-                      <a:r>
-                        <a:rPr sz="1100">
-                          <a:solidFill>
-                            <a:srgbClr val="111111">
-                              <a:alpha val="100000"/>
-                            </a:srgbClr>
-                          </a:solidFill>
-                          <a:latin typeface="Arial"/>
-                          <a:cs typeface="Arial"/>
-                        </a:rPr>
-                        <a:t>31</a:t>
-                      </a:r>
-                    </a:p>
-                  </a:txBody>
-                  <a:tcPr anchor="ctr" marB="0" marT="0" marR="0" marL="0">
-                    <a:lnL w="0" cmpd="sng" algn="ctr" cap="flat">
-                      <a:solidFill>
-                        <a:srgbClr val="FFFFFF">
-                          <a:alpha val="0"/>
-                        </a:srgbClr>
-                      </a:solidFill>
-                      <a:prstDash val="solid"/>
-                    </a:lnL>
-                    <a:lnR w="0" cmpd="sng" algn="ctr" cap="flat">
-                      <a:solidFill>
-                        <a:srgbClr val="FFFFFF">
-                          <a:alpha val="0"/>
-                        </a:srgbClr>
-                      </a:solidFill>
-                      <a:prstDash val="solid"/>
-                    </a:lnR>
-                    <a:lnT w="0" cmpd="sng" algn="ctr" cap="flat">
-                      <a:solidFill>
-                        <a:srgbClr val="FFFFFF">
-                          <a:alpha val="0"/>
-                        </a:srgbClr>
-                      </a:solidFill>
-                      <a:prstDash val="solid"/>
-                    </a:lnT>
-                    <a:lnB w="0" cmpd="sng" algn="ctr" cap="flat">
-                      <a:solidFill>
-                        <a:srgbClr val="FFFFFF">
-                          <a:alpha val="0"/>
-                        </a:srgbClr>
-                      </a:solidFill>
-                      <a:prstDash val="solid"/>
-                    </a:lnB>
-                  </a:tcPr>
-                </a:tc>
-              </a:tr>
-              <a:tr h="288158">
-                <a:tc>
-                  <a:txBody>
-                    <a:bodyPr/>
-                    <a:lstStyle/>
-                    <a:p>
-                      <a:pPr algn="l" marL="63500" marR="63500">
-                        <a:spcBef>
-                          <a:spcPts val="200"/>
-                        </a:spcBef>
-                        <a:spcAft>
-                          <a:spcPts val="200"/>
-                        </a:spcAft>
-                        <a:buNone/>
-                      </a:pPr>
-                      <a:r>
-                        <a:rPr sz="1100">
-                          <a:solidFill>
-                            <a:srgbClr val="111111">
-                              <a:alpha val="100000"/>
-                            </a:srgbClr>
-                          </a:solidFill>
-                          <a:latin typeface="Arial"/>
-                          <a:cs typeface="Arial"/>
-                        </a:rPr>
-                        <a:t>DeBaliviere Place</a:t>
-                      </a:r>
-                    </a:p>
-                  </a:txBody>
-                  <a:tcPr anchor="ctr" marB="0" marT="0" marR="0" marL="0">
-                    <a:lnL w="0" cmpd="sng" algn="ctr" cap="flat">
-                      <a:solidFill>
-                        <a:srgbClr val="FFFFFF">
-                          <a:alpha val="0"/>
-                        </a:srgbClr>
-                      </a:solidFill>
-                      <a:prstDash val="solid"/>
-                    </a:lnL>
-                    <a:lnR w="0" cmpd="sng" algn="ctr" cap="flat">
-                      <a:solidFill>
-                        <a:srgbClr val="FFFFFF">
-                          <a:alpha val="0"/>
-                        </a:srgbClr>
-                      </a:solidFill>
-                      <a:prstDash val="solid"/>
-                    </a:lnR>
-                    <a:lnT w="0" cmpd="sng" algn="ctr" cap="flat">
-                      <a:solidFill>
-                        <a:srgbClr val="FFFFFF">
-                          <a:alpha val="0"/>
-                        </a:srgbClr>
-                      </a:solidFill>
-                      <a:prstDash val="solid"/>
-                    </a:lnT>
-                    <a:lnB w="0" cmpd="sng" algn="ctr" cap="flat">
-                      <a:solidFill>
-                        <a:srgbClr val="FFFFFF">
-                          <a:alpha val="0"/>
-                        </a:srgbClr>
-                      </a:solidFill>
-                      <a:prstDash val="solid"/>
-                    </a:lnB>
-                  </a:tcPr>
-                </a:tc>
-                <a:tc>
-                  <a:txBody>
-                    <a:bodyPr/>
-                    <a:lstStyle/>
-                    <a:p>
-                      <a:pPr algn="r" marL="63500" marR="63500">
-                        <a:spcBef>
-                          <a:spcPts val="200"/>
-                        </a:spcBef>
-                        <a:spcAft>
-                          <a:spcPts val="200"/>
-                        </a:spcAft>
-                        <a:buNone/>
-                      </a:pPr>
-                      <a:r>
-                        <a:rPr sz="1100">
-                          <a:solidFill>
-                            <a:srgbClr val="111111">
-                              <a:alpha val="100000"/>
-                            </a:srgbClr>
-                          </a:solidFill>
-                          <a:latin typeface="Arial"/>
-                          <a:cs typeface="Arial"/>
-                        </a:rPr>
-                        <a:t>$14,000</a:t>
-                      </a:r>
-                    </a:p>
-                  </a:txBody>
-                  <a:tcPr anchor="ctr" marB="0" marT="0" marR="0" marL="0">
-                    <a:lnL w="0" cmpd="sng" algn="ctr" cap="flat">
-                      <a:solidFill>
-                        <a:srgbClr val="FFFFFF">
-                          <a:alpha val="0"/>
-                        </a:srgbClr>
-                      </a:solidFill>
-                      <a:prstDash val="solid"/>
-                    </a:lnL>
-                    <a:lnR w="0" cmpd="sng" algn="ctr" cap="flat">
-                      <a:solidFill>
-                        <a:srgbClr val="FFFFFF">
-                          <a:alpha val="0"/>
-                        </a:srgbClr>
-                      </a:solidFill>
-                      <a:prstDash val="solid"/>
-                    </a:lnR>
-                    <a:lnT w="0" cmpd="sng" algn="ctr" cap="flat">
-                      <a:solidFill>
-                        <a:srgbClr val="FFFFFF">
-                          <a:alpha val="0"/>
-                        </a:srgbClr>
-                      </a:solidFill>
-                      <a:prstDash val="solid"/>
-                    </a:lnT>
-                    <a:lnB w="0" cmpd="sng" algn="ctr" cap="flat">
-                      <a:solidFill>
-                        <a:srgbClr val="FFFFFF">
-                          <a:alpha val="0"/>
-                        </a:srgbClr>
-                      </a:solidFill>
-                      <a:prstDash val="solid"/>
-                    </a:lnB>
-                  </a:tcPr>
-                </a:tc>
-                <a:tc>
-                  <a:txBody>
-                    <a:bodyPr/>
-                    <a:lstStyle/>
-                    <a:p>
-                      <a:pPr algn="r" marL="63500" marR="63500">
-                        <a:spcBef>
-                          <a:spcPts val="200"/>
-                        </a:spcBef>
-                        <a:spcAft>
-                          <a:spcPts val="200"/>
-                        </a:spcAft>
-                        <a:buNone/>
-                      </a:pPr>
-                      <a:r>
-                        <a:rPr sz="1100">
-                          <a:solidFill>
-                            <a:srgbClr val="111111">
-                              <a:alpha val="100000"/>
-                            </a:srgbClr>
-                          </a:solidFill>
-                          <a:latin typeface="Arial"/>
-                          <a:cs typeface="Arial"/>
-                        </a:rPr>
-                        <a:t>1</a:t>
-                      </a:r>
-                    </a:p>
-                  </a:txBody>
-                  <a:tcPr anchor="ctr" marB="0" marT="0" marR="0" marL="0">
-                    <a:lnL w="0" cmpd="sng" algn="ctr" cap="flat">
-                      <a:solidFill>
-                        <a:srgbClr val="FFFFFF">
-                          <a:alpha val="0"/>
-                        </a:srgbClr>
-                      </a:solidFill>
-                      <a:prstDash val="solid"/>
-                    </a:lnL>
-                    <a:lnR w="0" cmpd="sng" algn="ctr" cap="flat">
-                      <a:solidFill>
-                        <a:srgbClr val="FFFFFF">
-                          <a:alpha val="0"/>
-                        </a:srgbClr>
-                      </a:solidFill>
-                      <a:prstDash val="solid"/>
-                    </a:lnR>
-                    <a:lnT w="0" cmpd="sng" algn="ctr" cap="flat">
-                      <a:solidFill>
-                        <a:srgbClr val="FFFFFF">
-                          <a:alpha val="0"/>
-                        </a:srgbClr>
-                      </a:solidFill>
-                      <a:prstDash val="solid"/>
-                    </a:lnT>
-                    <a:lnB w="0" cmpd="sng" algn="ctr" cap="flat">
-                      <a:solidFill>
-                        <a:srgbClr val="FFFFFF">
-                          <a:alpha val="0"/>
-                        </a:srgbClr>
-                      </a:solidFill>
-                      <a:prstDash val="solid"/>
-                    </a:lnB>
-                  </a:tcPr>
-                </a:tc>
-              </a:tr>
-              <a:tr h="288158">
-                <a:tc>
-                  <a:txBody>
-                    <a:bodyPr/>
-                    <a:lstStyle/>
-                    <a:p>
-                      <a:pPr algn="l" marL="63500" marR="63500">
-                        <a:spcBef>
-                          <a:spcPts val="200"/>
-                        </a:spcBef>
-                        <a:spcAft>
-                          <a:spcPts val="200"/>
-                        </a:spcAft>
-                        <a:buNone/>
-                      </a:pPr>
-                      <a:r>
-                        <a:rPr sz="1100">
-                          <a:solidFill>
-                            <a:srgbClr val="111111">
-                              <a:alpha val="100000"/>
-                            </a:srgbClr>
-                          </a:solidFill>
-                          <a:latin typeface="Arial"/>
-                          <a:cs typeface="Arial"/>
-                        </a:rPr>
-                        <a:t>Forest Park Southeast</a:t>
-                      </a:r>
-                    </a:p>
-                  </a:txBody>
-                  <a:tcPr anchor="ctr" marB="0" marT="0" marR="0" marL="0">
-                    <a:lnL w="0" cmpd="sng" algn="ctr" cap="flat">
-                      <a:solidFill>
-                        <a:srgbClr val="FFFFFF">
-                          <a:alpha val="0"/>
-                        </a:srgbClr>
-                      </a:solidFill>
-                      <a:prstDash val="solid"/>
-                    </a:lnL>
-                    <a:lnR w="0" cmpd="sng" algn="ctr" cap="flat">
-                      <a:solidFill>
-                        <a:srgbClr val="FFFFFF">
-                          <a:alpha val="0"/>
-                        </a:srgbClr>
-                      </a:solidFill>
-                      <a:prstDash val="solid"/>
-                    </a:lnR>
-                    <a:lnT w="0" cmpd="sng" algn="ctr" cap="flat">
-                      <a:solidFill>
-                        <a:srgbClr val="FFFFFF">
-                          <a:alpha val="0"/>
-                        </a:srgbClr>
-                      </a:solidFill>
-                      <a:prstDash val="solid"/>
-                    </a:lnT>
-                    <a:lnB w="0" cmpd="sng" algn="ctr" cap="flat">
-                      <a:solidFill>
-                        <a:srgbClr val="FFFFFF">
-                          <a:alpha val="0"/>
-                        </a:srgbClr>
-                      </a:solidFill>
-                      <a:prstDash val="solid"/>
-                    </a:lnB>
-                  </a:tcPr>
-                </a:tc>
-                <a:tc>
-                  <a:txBody>
-                    <a:bodyPr/>
-                    <a:lstStyle/>
-                    <a:p>
-                      <a:pPr algn="r" marL="63500" marR="63500">
-                        <a:spcBef>
-                          <a:spcPts val="200"/>
-                        </a:spcBef>
-                        <a:spcAft>
-                          <a:spcPts val="200"/>
-                        </a:spcAft>
-                        <a:buNone/>
-                      </a:pPr>
-                      <a:r>
-                        <a:rPr sz="1100">
-                          <a:solidFill>
-                            <a:srgbClr val="111111">
-                              <a:alpha val="100000"/>
-                            </a:srgbClr>
-                          </a:solidFill>
-                          <a:latin typeface="Arial"/>
-                          <a:cs typeface="Arial"/>
-                        </a:rPr>
-                        <a:t>$46,822</a:t>
-                      </a:r>
-                    </a:p>
-                  </a:txBody>
-                  <a:tcPr anchor="ctr" marB="0" marT="0" marR="0" marL="0">
-                    <a:lnL w="0" cmpd="sng" algn="ctr" cap="flat">
-                      <a:solidFill>
-                        <a:srgbClr val="FFFFFF">
-                          <a:alpha val="0"/>
-                        </a:srgbClr>
-                      </a:solidFill>
-                      <a:prstDash val="solid"/>
-                    </a:lnL>
-                    <a:lnR w="0" cmpd="sng" algn="ctr" cap="flat">
-                      <a:solidFill>
-                        <a:srgbClr val="FFFFFF">
-                          <a:alpha val="0"/>
-                        </a:srgbClr>
-                      </a:solidFill>
-                      <a:prstDash val="solid"/>
-                    </a:lnR>
-                    <a:lnT w="0" cmpd="sng" algn="ctr" cap="flat">
-                      <a:solidFill>
-                        <a:srgbClr val="FFFFFF">
-                          <a:alpha val="0"/>
-                        </a:srgbClr>
-                      </a:solidFill>
-                      <a:prstDash val="solid"/>
-                    </a:lnT>
-                    <a:lnB w="0" cmpd="sng" algn="ctr" cap="flat">
-                      <a:solidFill>
-                        <a:srgbClr val="FFFFFF">
-                          <a:alpha val="0"/>
-                        </a:srgbClr>
-                      </a:solidFill>
-                      <a:prstDash val="solid"/>
-                    </a:lnB>
-                  </a:tcPr>
-                </a:tc>
-                <a:tc>
-                  <a:txBody>
-                    <a:bodyPr/>
-                    <a:lstStyle/>
-                    <a:p>
-                      <a:pPr algn="r" marL="63500" marR="63500">
-                        <a:spcBef>
-                          <a:spcPts val="200"/>
-                        </a:spcBef>
-                        <a:spcAft>
-                          <a:spcPts val="200"/>
-                        </a:spcAft>
-                        <a:buNone/>
-                      </a:pPr>
-                      <a:r>
-                        <a:rPr sz="1100">
-                          <a:solidFill>
-                            <a:srgbClr val="111111">
-                              <a:alpha val="100000"/>
-                            </a:srgbClr>
-                          </a:solidFill>
-                          <a:latin typeface="Arial"/>
-                          <a:cs typeface="Arial"/>
-                        </a:rPr>
-                        <a:t>9</a:t>
-                      </a:r>
-                    </a:p>
-                  </a:txBody>
-                  <a:tcPr anchor="ctr" marB="0" marT="0" marR="0" marL="0">
-                    <a:lnL w="0" cmpd="sng" algn="ctr" cap="flat">
-                      <a:solidFill>
-                        <a:srgbClr val="FFFFFF">
-                          <a:alpha val="0"/>
-                        </a:srgbClr>
-                      </a:solidFill>
-                      <a:prstDash val="solid"/>
-                    </a:lnL>
-                    <a:lnR w="0" cmpd="sng" algn="ctr" cap="flat">
-                      <a:solidFill>
-                        <a:srgbClr val="FFFFFF">
-                          <a:alpha val="0"/>
-                        </a:srgbClr>
-                      </a:solidFill>
-                      <a:prstDash val="solid"/>
-                    </a:lnR>
-                    <a:lnT w="0" cmpd="sng" algn="ctr" cap="flat">
-                      <a:solidFill>
-                        <a:srgbClr val="FFFFFF">
-                          <a:alpha val="0"/>
-                        </a:srgbClr>
-                      </a:solidFill>
-                      <a:prstDash val="solid"/>
-                    </a:lnT>
-                    <a:lnB w="0" cmpd="sng" algn="ctr" cap="flat">
-                      <a:solidFill>
-                        <a:srgbClr val="FFFFFF">
-                          <a:alpha val="0"/>
-                        </a:srgbClr>
-                      </a:solidFill>
-                      <a:prstDash val="solid"/>
-                    </a:lnB>
-                  </a:tcPr>
-                </a:tc>
-              </a:tr>
-              <a:tr h="288158">
-                <a:tc>
-                  <a:txBody>
-                    <a:bodyPr/>
-                    <a:lstStyle/>
-                    <a:p>
-                      <a:pPr algn="l" marL="63500" marR="63500">
-                        <a:spcBef>
-                          <a:spcPts val="200"/>
-                        </a:spcBef>
-                        <a:spcAft>
-                          <a:spcPts val="200"/>
-                        </a:spcAft>
-                        <a:buNone/>
-                      </a:pPr>
-                      <a:r>
-                        <a:rPr sz="1100">
-                          <a:solidFill>
-                            <a:srgbClr val="111111">
-                              <a:alpha val="100000"/>
-                            </a:srgbClr>
-                          </a:solidFill>
-                          <a:latin typeface="Arial"/>
-                          <a:cs typeface="Arial"/>
-                        </a:rPr>
-                        <a:t>Skinker DeBaliviere</a:t>
-                      </a:r>
-                    </a:p>
-                  </a:txBody>
-                  <a:tcPr anchor="ctr" marB="0" marT="0" marR="0" marL="0">
-                    <a:lnL w="0" cmpd="sng" algn="ctr" cap="flat">
-                      <a:solidFill>
-                        <a:srgbClr val="FFFFFF">
-                          <a:alpha val="0"/>
-                        </a:srgbClr>
-                      </a:solidFill>
-                      <a:prstDash val="solid"/>
-                    </a:lnL>
-                    <a:lnR w="0" cmpd="sng" algn="ctr" cap="flat">
-                      <a:solidFill>
-                        <a:srgbClr val="FFFFFF">
-                          <a:alpha val="0"/>
-                        </a:srgbClr>
-                      </a:solidFill>
-                      <a:prstDash val="solid"/>
-                    </a:lnR>
-                    <a:lnT w="0" cmpd="sng" algn="ctr" cap="flat">
-                      <a:solidFill>
-                        <a:srgbClr val="FFFFFF">
-                          <a:alpha val="0"/>
-                        </a:srgbClr>
-                      </a:solidFill>
-                      <a:prstDash val="solid"/>
-                    </a:lnT>
-                    <a:lnB w="0" cmpd="sng" algn="ctr" cap="flat">
-                      <a:solidFill>
-                        <a:srgbClr val="FFFFFF">
-                          <a:alpha val="0"/>
-                        </a:srgbClr>
-                      </a:solidFill>
-                      <a:prstDash val="solid"/>
-                    </a:lnB>
-                  </a:tcPr>
-                </a:tc>
-                <a:tc>
-                  <a:txBody>
-                    <a:bodyPr/>
-                    <a:lstStyle/>
-                    <a:p>
-                      <a:pPr algn="r" marL="63500" marR="63500">
-                        <a:spcBef>
-                          <a:spcPts val="200"/>
-                        </a:spcBef>
-                        <a:spcAft>
-                          <a:spcPts val="200"/>
-                        </a:spcAft>
-                        <a:buNone/>
-                      </a:pPr>
-                      <a:r>
-                        <a:rPr sz="1100">
-                          <a:solidFill>
-                            <a:srgbClr val="111111">
-                              <a:alpha val="100000"/>
-                            </a:srgbClr>
-                          </a:solidFill>
-                          <a:latin typeface="Arial"/>
-                          <a:cs typeface="Arial"/>
-                        </a:rPr>
-                        <a:t>$16,303</a:t>
-                      </a:r>
-                    </a:p>
-                  </a:txBody>
-                  <a:tcPr anchor="ctr" marB="0" marT="0" marR="0" marL="0">
-                    <a:lnL w="0" cmpd="sng" algn="ctr" cap="flat">
-                      <a:solidFill>
-                        <a:srgbClr val="FFFFFF">
-                          <a:alpha val="0"/>
-                        </a:srgbClr>
-                      </a:solidFill>
-                      <a:prstDash val="solid"/>
-                    </a:lnL>
-                    <a:lnR w="0" cmpd="sng" algn="ctr" cap="flat">
-                      <a:solidFill>
-                        <a:srgbClr val="FFFFFF">
-                          <a:alpha val="0"/>
-                        </a:srgbClr>
-                      </a:solidFill>
-                      <a:prstDash val="solid"/>
-                    </a:lnR>
-                    <a:lnT w="0" cmpd="sng" algn="ctr" cap="flat">
-                      <a:solidFill>
-                        <a:srgbClr val="FFFFFF">
-                          <a:alpha val="0"/>
-                        </a:srgbClr>
-                      </a:solidFill>
-                      <a:prstDash val="solid"/>
-                    </a:lnT>
-                    <a:lnB w="0" cmpd="sng" algn="ctr" cap="flat">
-                      <a:solidFill>
-                        <a:srgbClr val="FFFFFF">
-                          <a:alpha val="0"/>
-                        </a:srgbClr>
-                      </a:solidFill>
-                      <a:prstDash val="solid"/>
-                    </a:lnB>
-                  </a:tcPr>
-                </a:tc>
-                <a:tc>
-                  <a:txBody>
-                    <a:bodyPr/>
-                    <a:lstStyle/>
-                    <a:p>
-                      <a:pPr algn="r" marL="63500" marR="63500">
-                        <a:spcBef>
-                          <a:spcPts val="200"/>
-                        </a:spcBef>
-                        <a:spcAft>
-                          <a:spcPts val="200"/>
-                        </a:spcAft>
-                        <a:buNone/>
-                      </a:pPr>
-                      <a:r>
-                        <a:rPr sz="1100">
-                          <a:solidFill>
-                            <a:srgbClr val="111111">
-                              <a:alpha val="100000"/>
-                            </a:srgbClr>
-                          </a:solidFill>
-                          <a:latin typeface="Arial"/>
-                          <a:cs typeface="Arial"/>
-                        </a:rPr>
-                        <a:t>19</a:t>
-                      </a:r>
-                    </a:p>
-                  </a:txBody>
-                  <a:tcPr anchor="ctr" marB="0" marT="0" marR="0" marL="0">
-                    <a:lnL w="0" cmpd="sng" algn="ctr" cap="flat">
-                      <a:solidFill>
-                        <a:srgbClr val="FFFFFF">
-                          <a:alpha val="0"/>
-                        </a:srgbClr>
-                      </a:solidFill>
-                      <a:prstDash val="solid"/>
-                    </a:lnL>
-                    <a:lnR w="0" cmpd="sng" algn="ctr" cap="flat">
-                      <a:solidFill>
-                        <a:srgbClr val="FFFFFF">
-                          <a:alpha val="0"/>
-                        </a:srgbClr>
-                      </a:solidFill>
-                      <a:prstDash val="solid"/>
-                    </a:lnR>
-                    <a:lnT w="0" cmpd="sng" algn="ctr" cap="flat">
-                      <a:solidFill>
-                        <a:srgbClr val="FFFFFF">
-                          <a:alpha val="0"/>
-                        </a:srgbClr>
-                      </a:solidFill>
-                      <a:prstDash val="solid"/>
-                    </a:lnT>
-                    <a:lnB w="0" cmpd="sng" algn="ctr" cap="flat">
-                      <a:solidFill>
-                        <a:srgbClr val="FFFFFF">
-                          <a:alpha val="0"/>
-                        </a:srgbClr>
-                      </a:solidFill>
-                      <a:prstDash val="solid"/>
-                    </a:lnB>
-                  </a:tcPr>
-                </a:tc>
-              </a:tr>
-              <a:tr h="288158">
-                <a:tc>
-                  <a:txBody>
-                    <a:bodyPr/>
-                    <a:lstStyle/>
-                    <a:p>
-                      <a:pPr algn="l" marL="63500" marR="63500">
-                        <a:spcBef>
-                          <a:spcPts val="200"/>
-                        </a:spcBef>
-                        <a:spcAft>
-                          <a:spcPts val="200"/>
-                        </a:spcAft>
-                        <a:buNone/>
-                      </a:pPr>
-                      <a:r>
-                        <a:rPr sz="1100">
-                          <a:solidFill>
-                            <a:srgbClr val="111111">
-                              <a:alpha val="100000"/>
-                            </a:srgbClr>
-                          </a:solidFill>
-                          <a:latin typeface="Arial"/>
-                          <a:cs typeface="Arial"/>
-                        </a:rPr>
-                        <a:t>Vandeventer</a:t>
-                      </a:r>
-                    </a:p>
-                  </a:txBody>
-                  <a:tcPr anchor="ctr" marB="0" marT="0" marR="0" marL="0">
-                    <a:lnL w="0" cmpd="sng" algn="ctr" cap="flat">
-                      <a:solidFill>
-                        <a:srgbClr val="FFFFFF">
-                          <a:alpha val="0"/>
-                        </a:srgbClr>
-                      </a:solidFill>
-                      <a:prstDash val="solid"/>
-                    </a:lnL>
-                    <a:lnR w="0" cmpd="sng" algn="ctr" cap="flat">
-                      <a:solidFill>
-                        <a:srgbClr val="FFFFFF">
-                          <a:alpha val="0"/>
-                        </a:srgbClr>
-                      </a:solidFill>
-                      <a:prstDash val="solid"/>
-                    </a:lnR>
-                    <a:lnT w="0" cmpd="sng" algn="ctr" cap="flat">
-                      <a:solidFill>
-                        <a:srgbClr val="FFFFFF">
-                          <a:alpha val="0"/>
-                        </a:srgbClr>
-                      </a:solidFill>
-                      <a:prstDash val="solid"/>
-                    </a:lnT>
-                    <a:lnB w="0" cmpd="sng" algn="ctr" cap="flat">
-                      <a:solidFill>
-                        <a:srgbClr val="FFFFFF">
-                          <a:alpha val="0"/>
-                        </a:srgbClr>
-                      </a:solidFill>
-                      <a:prstDash val="solid"/>
-                    </a:lnB>
-                  </a:tcPr>
-                </a:tc>
-                <a:tc>
-                  <a:txBody>
-                    <a:bodyPr/>
-                    <a:lstStyle/>
-                    <a:p>
-                      <a:pPr algn="r" marL="63500" marR="63500">
-                        <a:spcBef>
-                          <a:spcPts val="200"/>
-                        </a:spcBef>
-                        <a:spcAft>
-                          <a:spcPts val="200"/>
-                        </a:spcAft>
-                        <a:buNone/>
-                      </a:pPr>
-                      <a:r>
-                        <a:rPr sz="1100">
-                          <a:solidFill>
-                            <a:srgbClr val="111111">
-                              <a:alpha val="100000"/>
-                            </a:srgbClr>
-                          </a:solidFill>
-                          <a:latin typeface="Arial"/>
-                          <a:cs typeface="Arial"/>
-                        </a:rPr>
-                        <a:t>$8,731</a:t>
-                      </a:r>
-                    </a:p>
-                  </a:txBody>
-                  <a:tcPr anchor="ctr" marB="0" marT="0" marR="0" marL="0">
-                    <a:lnL w="0" cmpd="sng" algn="ctr" cap="flat">
-                      <a:solidFill>
-                        <a:srgbClr val="FFFFFF">
-                          <a:alpha val="0"/>
-                        </a:srgbClr>
-                      </a:solidFill>
-                      <a:prstDash val="solid"/>
-                    </a:lnL>
-                    <a:lnR w="0" cmpd="sng" algn="ctr" cap="flat">
-                      <a:solidFill>
-                        <a:srgbClr val="FFFFFF">
-                          <a:alpha val="0"/>
-                        </a:srgbClr>
-                      </a:solidFill>
-                      <a:prstDash val="solid"/>
-                    </a:lnR>
-                    <a:lnT w="0" cmpd="sng" algn="ctr" cap="flat">
-                      <a:solidFill>
-                        <a:srgbClr val="FFFFFF">
-                          <a:alpha val="0"/>
-                        </a:srgbClr>
-                      </a:solidFill>
-                      <a:prstDash val="solid"/>
-                    </a:lnT>
-                    <a:lnB w="0" cmpd="sng" algn="ctr" cap="flat">
-                      <a:solidFill>
-                        <a:srgbClr val="FFFFFF">
-                          <a:alpha val="0"/>
-                        </a:srgbClr>
-                      </a:solidFill>
-                      <a:prstDash val="solid"/>
-                    </a:lnB>
-                  </a:tcPr>
-                </a:tc>
-                <a:tc>
-                  <a:txBody>
-                    <a:bodyPr/>
-                    <a:lstStyle/>
-                    <a:p>
-                      <a:pPr algn="r" marL="63500" marR="63500">
-                        <a:spcBef>
-                          <a:spcPts val="200"/>
-                        </a:spcBef>
-                        <a:spcAft>
-                          <a:spcPts val="200"/>
-                        </a:spcAft>
-                        <a:buNone/>
-                      </a:pPr>
-                      <a:r>
-                        <a:rPr sz="1100">
-                          <a:solidFill>
-                            <a:srgbClr val="111111">
-                              <a:alpha val="100000"/>
-                            </a:srgbClr>
-                          </a:solidFill>
-                          <a:latin typeface="Arial"/>
-                          <a:cs typeface="Arial"/>
-                        </a:rPr>
-                        <a:t>1</a:t>
-                      </a:r>
-                    </a:p>
-                  </a:txBody>
-                  <a:tcPr anchor="ctr" marB="0" marT="0" marR="0" marL="0">
-                    <a:lnL w="0" cmpd="sng" algn="ctr" cap="flat">
-                      <a:solidFill>
-                        <a:srgbClr val="FFFFFF">
-                          <a:alpha val="0"/>
-                        </a:srgbClr>
-                      </a:solidFill>
-                      <a:prstDash val="solid"/>
-                    </a:lnL>
-                    <a:lnR w="0" cmpd="sng" algn="ctr" cap="flat">
-                      <a:solidFill>
-                        <a:srgbClr val="FFFFFF">
-                          <a:alpha val="0"/>
-                        </a:srgbClr>
-                      </a:solidFill>
-                      <a:prstDash val="solid"/>
-                    </a:lnR>
-                    <a:lnT w="0" cmpd="sng" algn="ctr" cap="flat">
-                      <a:solidFill>
-                        <a:srgbClr val="FFFFFF">
-                          <a:alpha val="0"/>
-                        </a:srgbClr>
-                      </a:solidFill>
-                      <a:prstDash val="solid"/>
-                    </a:lnT>
-                    <a:lnB w="0" cmpd="sng" algn="ctr" cap="flat">
-                      <a:solidFill>
-                        <a:srgbClr val="FFFFFF">
-                          <a:alpha val="0"/>
-                        </a:srgbClr>
-                      </a:solidFill>
-                      <a:prstDash val="solid"/>
-                    </a:lnB>
-                  </a:tcPr>
-                </a:tc>
-              </a:tr>
-              <a:tr h="288158">
-                <a:tc>
-                  <a:txBody>
-                    <a:bodyPr/>
-                    <a:lstStyle/>
-                    <a:p>
-                      <a:pPr algn="l" marL="63500" marR="63500">
-                        <a:spcBef>
-                          <a:spcPts val="200"/>
-                        </a:spcBef>
-                        <a:spcAft>
-                          <a:spcPts val="200"/>
-                        </a:spcAft>
-                        <a:buNone/>
-                      </a:pPr>
-                      <a:r>
-                        <a:rPr sz="1100">
-                          <a:solidFill>
-                            <a:srgbClr val="111111">
-                              <a:alpha val="100000"/>
-                            </a:srgbClr>
-                          </a:solidFill>
-                          <a:latin typeface="Arial"/>
-                          <a:cs typeface="Arial"/>
-                        </a:rPr>
-                        <a:t>Visitation Park</a:t>
-                      </a:r>
-                    </a:p>
-                  </a:txBody>
-                  <a:tcPr anchor="ctr" marB="0" marT="0" marR="0" marL="0">
-                    <a:lnL w="0" cmpd="sng" algn="ctr" cap="flat">
-                      <a:solidFill>
-                        <a:srgbClr val="FFFFFF">
-                          <a:alpha val="0"/>
-                        </a:srgbClr>
-                      </a:solidFill>
-                      <a:prstDash val="solid"/>
-                    </a:lnL>
-                    <a:lnR w="0" cmpd="sng" algn="ctr" cap="flat">
-                      <a:solidFill>
-                        <a:srgbClr val="FFFFFF">
-                          <a:alpha val="0"/>
-                        </a:srgbClr>
-                      </a:solidFill>
-                      <a:prstDash val="solid"/>
-                    </a:lnR>
-                    <a:lnT w="0" cmpd="sng" algn="ctr" cap="flat">
-                      <a:solidFill>
-                        <a:srgbClr val="FFFFFF">
-                          <a:alpha val="0"/>
-                        </a:srgbClr>
-                      </a:solidFill>
-                      <a:prstDash val="solid"/>
-                    </a:lnT>
-                    <a:lnB w="0" cmpd="sng" algn="ctr" cap="flat">
-                      <a:solidFill>
-                        <a:srgbClr val="FFFFFF">
-                          <a:alpha val="0"/>
-                        </a:srgbClr>
-                      </a:solidFill>
-                      <a:prstDash val="solid"/>
-                    </a:lnB>
-                  </a:tcPr>
-                </a:tc>
-                <a:tc>
-                  <a:txBody>
-                    <a:bodyPr/>
-                    <a:lstStyle/>
-                    <a:p>
-                      <a:pPr algn="r" marL="63500" marR="63500">
-                        <a:spcBef>
-                          <a:spcPts val="200"/>
-                        </a:spcBef>
-                        <a:spcAft>
-                          <a:spcPts val="200"/>
-                        </a:spcAft>
-                        <a:buNone/>
-                      </a:pPr>
-                      <a:r>
-                        <a:rPr sz="1100">
-                          <a:solidFill>
-                            <a:srgbClr val="111111">
-                              <a:alpha val="100000"/>
-                            </a:srgbClr>
-                          </a:solidFill>
-                          <a:latin typeface="Arial"/>
-                          <a:cs typeface="Arial"/>
-                        </a:rPr>
-                        <a:t>$14,000</a:t>
-                      </a:r>
-                    </a:p>
-                  </a:txBody>
-                  <a:tcPr anchor="ctr" marB="0" marT="0" marR="0" marL="0">
-                    <a:lnL w="0" cmpd="sng" algn="ctr" cap="flat">
-                      <a:solidFill>
-                        <a:srgbClr val="FFFFFF">
-                          <a:alpha val="0"/>
-                        </a:srgbClr>
-                      </a:solidFill>
-                      <a:prstDash val="solid"/>
-                    </a:lnL>
-                    <a:lnR w="0" cmpd="sng" algn="ctr" cap="flat">
-                      <a:solidFill>
-                        <a:srgbClr val="FFFFFF">
-                          <a:alpha val="0"/>
-                        </a:srgbClr>
-                      </a:solidFill>
-                      <a:prstDash val="solid"/>
-                    </a:lnR>
-                    <a:lnT w="0" cmpd="sng" algn="ctr" cap="flat">
-                      <a:solidFill>
-                        <a:srgbClr val="FFFFFF">
-                          <a:alpha val="0"/>
-                        </a:srgbClr>
-                      </a:solidFill>
-                      <a:prstDash val="solid"/>
-                    </a:lnT>
-                    <a:lnB w="0" cmpd="sng" algn="ctr" cap="flat">
-                      <a:solidFill>
-                        <a:srgbClr val="FFFFFF">
-                          <a:alpha val="0"/>
-                        </a:srgbClr>
-                      </a:solidFill>
-                      <a:prstDash val="solid"/>
-                    </a:lnB>
-                  </a:tcPr>
-                </a:tc>
-                <a:tc>
-                  <a:txBody>
-                    <a:bodyPr/>
-                    <a:lstStyle/>
-                    <a:p>
-                      <a:pPr algn="r" marL="63500" marR="63500">
-                        <a:spcBef>
-                          <a:spcPts val="200"/>
-                        </a:spcBef>
-                        <a:spcAft>
-                          <a:spcPts val="200"/>
-                        </a:spcAft>
-                        <a:buNone/>
-                      </a:pPr>
-                      <a:r>
-                        <a:rPr sz="1100">
-                          <a:solidFill>
-                            <a:srgbClr val="111111">
-                              <a:alpha val="100000"/>
-                            </a:srgbClr>
-                          </a:solidFill>
-                          <a:latin typeface="Arial"/>
-                          <a:cs typeface="Arial"/>
-                        </a:rPr>
-                        <a:t>1</a:t>
-                      </a:r>
-                    </a:p>
-                  </a:txBody>
-                  <a:tcPr anchor="ctr" marB="0" marT="0" marR="0" marL="0">
-                    <a:lnL w="0" cmpd="sng" algn="ctr" cap="flat">
-                      <a:solidFill>
-                        <a:srgbClr val="FFFFFF">
-                          <a:alpha val="0"/>
-                        </a:srgbClr>
-                      </a:solidFill>
-                      <a:prstDash val="solid"/>
-                    </a:lnL>
-                    <a:lnR w="0" cmpd="sng" algn="ctr" cap="flat">
-                      <a:solidFill>
-                        <a:srgbClr val="FFFFFF">
-                          <a:alpha val="0"/>
-                        </a:srgbClr>
-                      </a:solidFill>
-                      <a:prstDash val="solid"/>
-                    </a:lnR>
-                    <a:lnT w="0" cmpd="sng" algn="ctr" cap="flat">
-                      <a:solidFill>
-                        <a:srgbClr val="FFFFFF">
-                          <a:alpha val="0"/>
-                        </a:srgbClr>
-                      </a:solidFill>
-                      <a:prstDash val="solid"/>
-                    </a:lnT>
-                    <a:lnB w="0" cmpd="sng" algn="ctr" cap="flat">
-                      <a:solidFill>
-                        <a:srgbClr val="FFFFFF">
-                          <a:alpha val="0"/>
-                        </a:srgbClr>
-                      </a:solidFill>
-                      <a:prstDash val="solid"/>
-                    </a:lnB>
-                  </a:tcPr>
-                </a:tc>
-              </a:tr>
-              <a:tr h="288158">
-                <a:tc>
-                  <a:txBody>
-                    <a:bodyPr/>
-                    <a:lstStyle/>
-                    <a:p>
-                      <a:pPr algn="l" marL="63500" marR="63500">
-                        <a:spcBef>
-                          <a:spcPts val="200"/>
-                        </a:spcBef>
-                        <a:spcAft>
-                          <a:spcPts val="200"/>
-                        </a:spcAft>
-                        <a:buNone/>
-                      </a:pPr>
-                      <a:r>
-                        <a:rPr sz="1100">
-                          <a:solidFill>
-                            <a:srgbClr val="111111">
-                              <a:alpha val="100000"/>
-                            </a:srgbClr>
-                          </a:solidFill>
-                          <a:latin typeface="Arial"/>
-                          <a:cs typeface="Arial"/>
-                        </a:rPr>
-                        <a:t>West End</a:t>
-                      </a:r>
-                    </a:p>
-                  </a:txBody>
-                  <a:tcPr anchor="ctr" marB="0" marT="0" marR="0" marL="0">
-                    <a:lnL w="0" cmpd="sng" algn="ctr" cap="flat">
-                      <a:solidFill>
-                        <a:srgbClr val="FFFFFF">
-                          <a:alpha val="0"/>
-                        </a:srgbClr>
-                      </a:solidFill>
-                      <a:prstDash val="solid"/>
-                    </a:lnL>
-                    <a:lnR w="0" cmpd="sng" algn="ctr" cap="flat">
-                      <a:solidFill>
-                        <a:srgbClr val="FFFFFF">
-                          <a:alpha val="0"/>
-                        </a:srgbClr>
-                      </a:solidFill>
-                      <a:prstDash val="solid"/>
-                    </a:lnR>
-                    <a:lnT w="0" cmpd="sng" algn="ctr" cap="flat">
-                      <a:solidFill>
-                        <a:srgbClr val="FFFFFF">
-                          <a:alpha val="0"/>
-                        </a:srgbClr>
-                      </a:solidFill>
-                      <a:prstDash val="solid"/>
-                    </a:lnT>
-                    <a:lnB w="25400" cmpd="sng" algn="ctr" cap="flat">
-                      <a:solidFill>
-                        <a:srgbClr val="000000">
-                          <a:alpha val="100000"/>
-                        </a:srgbClr>
-                      </a:solidFill>
-                      <a:prstDash val="solid"/>
-                    </a:lnB>
-                  </a:tcPr>
-                </a:tc>
-                <a:tc>
-                  <a:txBody>
-                    <a:bodyPr/>
-                    <a:lstStyle/>
-                    <a:p>
-                      <a:pPr algn="r" marL="63500" marR="63500">
-                        <a:spcBef>
-                          <a:spcPts val="200"/>
-                        </a:spcBef>
-                        <a:spcAft>
-                          <a:spcPts val="200"/>
-                        </a:spcAft>
-                        <a:buNone/>
-                      </a:pPr>
-                      <a:r>
-                        <a:rPr sz="1100">
-                          <a:solidFill>
-                            <a:srgbClr val="111111">
-                              <a:alpha val="100000"/>
-                            </a:srgbClr>
-                          </a:solidFill>
-                          <a:latin typeface="Arial"/>
-                          <a:cs typeface="Arial"/>
-                        </a:rPr>
-                        <a:t>$161,081</a:t>
-                      </a:r>
-                    </a:p>
-                  </a:txBody>
-                  <a:tcPr anchor="ctr" marB="0" marT="0" marR="0" marL="0">
-                    <a:lnL w="0" cmpd="sng" algn="ctr" cap="flat">
-                      <a:solidFill>
-                        <a:srgbClr val="FFFFFF">
-                          <a:alpha val="0"/>
-                        </a:srgbClr>
-                      </a:solidFill>
-                      <a:prstDash val="solid"/>
-                    </a:lnL>
-                    <a:lnR w="0" cmpd="sng" algn="ctr" cap="flat">
-                      <a:solidFill>
-                        <a:srgbClr val="FFFFFF">
-                          <a:alpha val="0"/>
-                        </a:srgbClr>
-                      </a:solidFill>
-                      <a:prstDash val="solid"/>
-                    </a:lnR>
-                    <a:lnT w="0" cmpd="sng" algn="ctr" cap="flat">
-                      <a:solidFill>
-                        <a:srgbClr val="FFFFFF">
-                          <a:alpha val="0"/>
-                        </a:srgbClr>
-                      </a:solidFill>
-                      <a:prstDash val="solid"/>
-                    </a:lnT>
-                    <a:lnB w="25400" cmpd="sng" algn="ctr" cap="flat">
-                      <a:solidFill>
-                        <a:srgbClr val="000000">
-                          <a:alpha val="100000"/>
-                        </a:srgbClr>
-                      </a:solidFill>
-                      <a:prstDash val="solid"/>
-                    </a:lnB>
-                  </a:tcPr>
-                </a:tc>
-                <a:tc>
-                  <a:txBody>
-                    <a:bodyPr/>
-                    <a:lstStyle/>
-                    <a:p>
-                      <a:pPr algn="r" marL="63500" marR="63500">
-                        <a:spcBef>
-                          <a:spcPts val="200"/>
-                        </a:spcBef>
-                        <a:spcAft>
-                          <a:spcPts val="200"/>
-                        </a:spcAft>
-                        <a:buNone/>
-                      </a:pPr>
-                      <a:r>
-                        <a:rPr sz="1100">
-                          <a:solidFill>
-                            <a:srgbClr val="111111">
-                              <a:alpha val="100000"/>
-                            </a:srgbClr>
-                          </a:solidFill>
-                          <a:latin typeface="Arial"/>
-                          <a:cs typeface="Arial"/>
-                        </a:rPr>
-                        <a:t>8</a:t>
-                      </a:r>
-                    </a:p>
-                  </a:txBody>
-                  <a:tcPr anchor="ctr" marB="0" marT="0" marR="0" marL="0">
-                    <a:lnL w="0" cmpd="sng" algn="ctr" cap="flat">
-                      <a:solidFill>
-                        <a:srgbClr val="FFFFFF">
-                          <a:alpha val="0"/>
-                        </a:srgbClr>
-                      </a:solidFill>
-                      <a:prstDash val="solid"/>
-                    </a:lnL>
-                    <a:lnR w="0" cmpd="sng" algn="ctr" cap="flat">
-                      <a:solidFill>
-                        <a:srgbClr val="FFFFFF">
-                          <a:alpha val="0"/>
-                        </a:srgbClr>
-                      </a:solidFill>
-                      <a:prstDash val="solid"/>
-                    </a:lnR>
-                    <a:lnT w="0" cmpd="sng" algn="ctr" cap="flat">
-                      <a:solidFill>
-                        <a:srgbClr val="FFFFFF">
-                          <a:alpha val="0"/>
-                        </a:srgbClr>
-                      </a:solidFill>
-                      <a:prstDash val="solid"/>
-                    </a:lnT>
-                    <a:lnB w="25400" cmpd="sng" algn="ctr" cap="flat">
-                      <a:solidFill>
-                        <a:srgbClr val="000000">
-                          <a:alpha val="100000"/>
-                        </a:srgbClr>
-                      </a:solidFill>
-                      <a:prstDash val="solid"/>
-                    </a:lnB>
-                  </a:tcPr>
-                </a:tc>
-              </a:tr>
-            </a:tbl>
-          </a:graphicData>
-        </a:graphic>
-      </p:graphicFrame>
-    </p:spTree>
-  </p:cSld>
-  <p:clrMapOvr>
-    <a:masterClrMapping/>
-  </p:clrMapOvr>
-</p:sld>
-</file>
-
-<file path=ppt/slides/slide40.xml><?xml version="1.0" encoding="utf-8"?>
+<file path=ppt/slides/slide41.xml><?xml version="1.0" encoding="utf-8"?>
 <p:sld xmlns:a="http://schemas.openxmlformats.org/drawingml/2006/main" xmlns:r="http://schemas.openxmlformats.org/officeDocument/2006/relationships" xmlns:p="http://schemas.openxmlformats.org/presentationml/2006/main">
   <p:cSld>
     <p:spTree>
@@ -12907,12 +12765,12 @@
       </p:grpSpPr>
       <p:pic xmlns:a="http://schemas.openxmlformats.org/drawingml/2006/main" xmlns:r="http://schemas.openxmlformats.org/officeDocument/2006/relationships" xmlns:p="http://schemas.openxmlformats.org/presentationml/2006/main">
         <p:nvPicPr>
-          <p:cNvPr id="2" name=""/>
+          <p:cNvPr id="2" name="Title 1"/>
           <p:cNvPicPr>
             <a:picLocks noGrp="1"/>
           </p:cNvPicPr>
           <p:nvPr>
-            <p:ph/>
+            <p:ph type="title"/>
           </p:nvPr>
         </p:nvPicPr>
         <p:blipFill>
@@ -12923,8 +12781,8 @@
         </p:blipFill>
         <p:spPr>
           <a:xfrm>
-            <a:off x="0" y="0"/>
-            <a:ext cx="9144000" cy="6858000"/>
+            <a:off x="457200" y="274638"/>
+            <a:ext cx="4764024" cy="6858000"/>
           </a:xfrm>
         </p:spPr>
       </p:pic>
@@ -12963,7 +12821,7 @@
 </p:sld>
 </file>
 
-<file path=ppt/slides/slide41.xml><?xml version="1.0" encoding="utf-8"?>
+<file path=ppt/slides/slide42.xml><?xml version="1.0" encoding="utf-8"?>
 <p:sld xmlns:a="http://schemas.openxmlformats.org/drawingml/2006/main" xmlns:r="http://schemas.openxmlformats.org/officeDocument/2006/relationships" xmlns:p="http://schemas.openxmlformats.org/presentationml/2006/main">
   <p:cSld>
     <p:spTree>
@@ -13422,7 +13280,7 @@
 </p:sld>
 </file>
 
-<file path=ppt/slides/slide42.xml><?xml version="1.0" encoding="utf-8"?>
+<file path=ppt/slides/slide43.xml><?xml version="1.0" encoding="utf-8"?>
 <p:sld xmlns:a="http://schemas.openxmlformats.org/drawingml/2006/main" xmlns:r="http://schemas.openxmlformats.org/officeDocument/2006/relationships" xmlns:p="http://schemas.openxmlformats.org/presentationml/2006/main">
   <p:cSld>
     <p:spTree>
@@ -14516,7 +14374,7 @@
 </p:sld>
 </file>
 
-<file path=ppt/slides/slide43.xml><?xml version="1.0" encoding="utf-8"?>
+<file path=ppt/slides/slide44.xml><?xml version="1.0" encoding="utf-8"?>
 <p:sld xmlns:a="http://schemas.openxmlformats.org/drawingml/2006/main" xmlns:r="http://schemas.openxmlformats.org/officeDocument/2006/relationships" xmlns:p="http://schemas.openxmlformats.org/presentationml/2006/main">
   <p:cSld>
     <p:spTree>
@@ -14564,7 +14422,7 @@
 </p:sld>
 </file>
 
-<file path=ppt/slides/slide44.xml><?xml version="1.0" encoding="utf-8"?>
+<file path=ppt/slides/slide45.xml><?xml version="1.0" encoding="utf-8"?>
 <p:sld xmlns:a="http://schemas.openxmlformats.org/drawingml/2006/main" xmlns:r="http://schemas.openxmlformats.org/officeDocument/2006/relationships" xmlns:p="http://schemas.openxmlformats.org/presentationml/2006/main">
   <p:cSld>
     <p:spTree>
@@ -14661,7 +14519,7 @@
 </p:sld>
 </file>
 
-<file path=ppt/slides/slide45.xml><?xml version="1.0" encoding="utf-8"?>
+<file path=ppt/slides/slide46.xml><?xml version="1.0" encoding="utf-8"?>
 <p:sld xmlns:a="http://schemas.openxmlformats.org/drawingml/2006/main" xmlns:r="http://schemas.openxmlformats.org/officeDocument/2006/relationships" xmlns:p="http://schemas.openxmlformats.org/presentationml/2006/main">
   <p:cSld>
     <p:spTree>
@@ -14758,7 +14616,7 @@
 </p:sld>
 </file>
 
-<file path=ppt/slides/slide46.xml><?xml version="1.0" encoding="utf-8"?>
+<file path=ppt/slides/slide47.xml><?xml version="1.0" encoding="utf-8"?>
 <p:sld xmlns:a="http://schemas.openxmlformats.org/drawingml/2006/main" xmlns:r="http://schemas.openxmlformats.org/officeDocument/2006/relationships" xmlns:p="http://schemas.openxmlformats.org/presentationml/2006/main">
   <p:cSld>
     <p:spTree>
@@ -14855,7 +14713,7 @@
 </p:sld>
 </file>
 
-<file path=ppt/slides/slide47.xml><?xml version="1.0" encoding="utf-8"?>
+<file path=ppt/slides/slide48.xml><?xml version="1.0" encoding="utf-8"?>
 <p:sld xmlns:a="http://schemas.openxmlformats.org/drawingml/2006/main" xmlns:r="http://schemas.openxmlformats.org/officeDocument/2006/relationships" xmlns:p="http://schemas.openxmlformats.org/presentationml/2006/main">
   <p:cSld>
     <p:spTree>
@@ -14952,7 +14810,7 @@
 </p:sld>
 </file>
 
-<file path=ppt/slides/slide48.xml><?xml version="1.0" encoding="utf-8"?>
+<file path=ppt/slides/slide49.xml><?xml version="1.0" encoding="utf-8"?>
 <p:sld xmlns:a="http://schemas.openxmlformats.org/drawingml/2006/main" xmlns:r="http://schemas.openxmlformats.org/officeDocument/2006/relationships" xmlns:p="http://schemas.openxmlformats.org/presentationml/2006/main">
   <p:cSld>
     <p:spTree>
@@ -15037,103 +14895,6 @@
             <a:r>
               <a:rPr/>
               <a:t>-98.42% change compared to February 2019 ($551,886)</a:t>
-            </a:r>
-          </a:p>
-        </p:txBody>
-      </p:sp>
-    </p:spTree>
-  </p:cSld>
-  <p:clrMapOvr>
-    <a:masterClrMapping/>
-  </p:clrMapOvr>
-</p:sld>
-</file>
-
-<file path=ppt/slides/slide49.xml><?xml version="1.0" encoding="utf-8"?>
-<p:sld xmlns:a="http://schemas.openxmlformats.org/drawingml/2006/main" xmlns:r="http://schemas.openxmlformats.org/officeDocument/2006/relationships" xmlns:p="http://schemas.openxmlformats.org/presentationml/2006/main">
-  <p:cSld>
-    <p:spTree>
-      <p:nvGrpSpPr>
-        <p:cNvPr id="1" name=""/>
-        <p:cNvGrpSpPr/>
-        <p:nvPr/>
-      </p:nvGrpSpPr>
-      <p:grpSpPr>
-        <a:xfrm>
-          <a:off x="0" y="0"/>
-          <a:ext cx="0" cy="0"/>
-          <a:chOff x="0" y="0"/>
-          <a:chExt cx="0" cy="0"/>
-        </a:xfrm>
-      </p:grpSpPr>
-      <p:sp xmlns:a="http://schemas.openxmlformats.org/drawingml/2006/main" xmlns:r="http://schemas.openxmlformats.org/officeDocument/2006/relationships" xmlns:p="http://schemas.openxmlformats.org/presentationml/2006/main">
-        <p:nvSpPr>
-          <p:cNvPr id="2" name="Title 1"/>
-          <p:cNvSpPr>
-            <a:spLocks noGrp="1"/>
-          </p:cNvSpPr>
-          <p:nvPr>
-            <p:ph type="title"/>
-          </p:nvPr>
-        </p:nvSpPr>
-        <p:spPr>
-          <a:xfrm>
-            <a:off x="457200" y="274638"/>
-            <a:ext cx="8229600" cy="1143000"/>
-          </a:xfrm>
-        </p:spPr>
-        <p:txBody>
-          <a:bodyPr/>
-          <a:lstStyle/>
-          <a:p>
-            <a:r>
-              <a:rPr/>
-              <a:t>Vandeventer: Summary Notes</a:t>
-            </a:r>
-          </a:p>
-        </p:txBody>
-      </p:sp>
-      <p:sp xmlns:a="http://schemas.openxmlformats.org/drawingml/2006/main" xmlns:r="http://schemas.openxmlformats.org/officeDocument/2006/relationships" xmlns:p="http://schemas.openxmlformats.org/presentationml/2006/main">
-        <p:nvSpPr>
-          <p:cNvPr id="3" name="Content Placeholder 2"/>
-          <p:cNvSpPr>
-            <a:spLocks noGrp="1"/>
-          </p:cNvSpPr>
-          <p:nvPr>
-            <p:ph idx="1"/>
-          </p:nvPr>
-        </p:nvSpPr>
-        <p:spPr>
-          <a:xfrm>
-            <a:off x="457200" y="1600200"/>
-            <a:ext cx="8229600" cy="4525963"/>
-          </a:xfrm>
-        </p:spPr>
-        <p:txBody>
-          <a:bodyPr/>
-          <a:lstStyle/>
-          <a:p>
-            <a:r>
-              <a:rPr/>
-              <a:t>3 total building permits in Vandeventer in 2020</a:t>
-            </a:r>
-          </a:p>
-          <a:p>
-            <a:r>
-              <a:rPr/>
-              <a:t>-62.50% change compared to this time in 2019 (8 total building permits)</a:t>
-            </a:r>
-          </a:p>
-          <a:p>
-            <a:r>
-              <a:rPr/>
-              <a:t>$71,244 : Average building permit cost in Vandeventer in 2020</a:t>
-            </a:r>
-          </a:p>
-          <a:p>
-            <a:r>
-              <a:rPr/>
-              <a:t>-79.94% change compared to this time in 2019 ($355,241)</a:t>
             </a:r>
           </a:p>
         </p:txBody>
@@ -15260,14 +15021,111 @@
           <a:chExt cx="0" cy="0"/>
         </a:xfrm>
       </p:grpSpPr>
+      <p:sp xmlns:a="http://schemas.openxmlformats.org/drawingml/2006/main" xmlns:r="http://schemas.openxmlformats.org/officeDocument/2006/relationships" xmlns:p="http://schemas.openxmlformats.org/presentationml/2006/main">
+        <p:nvSpPr>
+          <p:cNvPr id="2" name="Title 1"/>
+          <p:cNvSpPr>
+            <a:spLocks noGrp="1"/>
+          </p:cNvSpPr>
+          <p:nvPr>
+            <p:ph type="title"/>
+          </p:nvPr>
+        </p:nvSpPr>
+        <p:spPr>
+          <a:xfrm>
+            <a:off x="457200" y="274638"/>
+            <a:ext cx="8229600" cy="1143000"/>
+          </a:xfrm>
+        </p:spPr>
+        <p:txBody>
+          <a:bodyPr/>
+          <a:lstStyle/>
+          <a:p>
+            <a:r>
+              <a:rPr/>
+              <a:t>Vandeventer: Summary Notes</a:t>
+            </a:r>
+          </a:p>
+        </p:txBody>
+      </p:sp>
+      <p:sp xmlns:a="http://schemas.openxmlformats.org/drawingml/2006/main" xmlns:r="http://schemas.openxmlformats.org/officeDocument/2006/relationships" xmlns:p="http://schemas.openxmlformats.org/presentationml/2006/main">
+        <p:nvSpPr>
+          <p:cNvPr id="3" name="Content Placeholder 2"/>
+          <p:cNvSpPr>
+            <a:spLocks noGrp="1"/>
+          </p:cNvSpPr>
+          <p:nvPr>
+            <p:ph idx="1"/>
+          </p:nvPr>
+        </p:nvSpPr>
+        <p:spPr>
+          <a:xfrm>
+            <a:off x="457200" y="1600200"/>
+            <a:ext cx="8229600" cy="4525963"/>
+          </a:xfrm>
+        </p:spPr>
+        <p:txBody>
+          <a:bodyPr/>
+          <a:lstStyle/>
+          <a:p>
+            <a:r>
+              <a:rPr/>
+              <a:t>3 total building permits in Vandeventer in 2020</a:t>
+            </a:r>
+          </a:p>
+          <a:p>
+            <a:r>
+              <a:rPr/>
+              <a:t>-62.50% change compared to this time in 2019 (8 total building permits)</a:t>
+            </a:r>
+          </a:p>
+          <a:p>
+            <a:r>
+              <a:rPr/>
+              <a:t>$71,244 : Average building permit cost in Vandeventer in 2020</a:t>
+            </a:r>
+          </a:p>
+          <a:p>
+            <a:r>
+              <a:rPr/>
+              <a:t>-79.94% change compared to this time in 2019 ($355,241)</a:t>
+            </a:r>
+          </a:p>
+        </p:txBody>
+      </p:sp>
+    </p:spTree>
+  </p:cSld>
+  <p:clrMapOvr>
+    <a:masterClrMapping/>
+  </p:clrMapOvr>
+</p:sld>
+</file>
+
+<file path=ppt/slides/slide51.xml><?xml version="1.0" encoding="utf-8"?>
+<p:sld xmlns:a="http://schemas.openxmlformats.org/drawingml/2006/main" xmlns:r="http://schemas.openxmlformats.org/officeDocument/2006/relationships" xmlns:p="http://schemas.openxmlformats.org/presentationml/2006/main">
+  <p:cSld>
+    <p:spTree>
+      <p:nvGrpSpPr>
+        <p:cNvPr id="1" name=""/>
+        <p:cNvGrpSpPr/>
+        <p:nvPr/>
+      </p:nvGrpSpPr>
+      <p:grpSpPr>
+        <a:xfrm>
+          <a:off x="0" y="0"/>
+          <a:ext cx="0" cy="0"/>
+          <a:chOff x="0" y="0"/>
+          <a:chExt cx="0" cy="0"/>
+        </a:xfrm>
+      </p:grpSpPr>
       <p:pic xmlns:a="http://schemas.openxmlformats.org/drawingml/2006/main" xmlns:r="http://schemas.openxmlformats.org/officeDocument/2006/relationships" xmlns:p="http://schemas.openxmlformats.org/presentationml/2006/main">
         <p:nvPicPr>
-          <p:cNvPr id="2" name=""/>
+          <p:cNvPr id="2" name="Title 1"/>
           <p:cNvPicPr>
             <a:picLocks noGrp="1"/>
           </p:cNvPicPr>
           <p:nvPr>
-            <p:ph/>
+            <p:ph type="title"/>
           </p:nvPr>
         </p:nvPicPr>
         <p:blipFill>
@@ -15278,8 +15136,8 @@
         </p:blipFill>
         <p:spPr>
           <a:xfrm>
-            <a:off x="0" y="0"/>
-            <a:ext cx="9144000" cy="6858000"/>
+            <a:off x="457200" y="274638"/>
+            <a:ext cx="7562088" cy="6858000"/>
           </a:xfrm>
         </p:spPr>
       </p:pic>
@@ -15318,7 +15176,7 @@
 </p:sld>
 </file>
 
-<file path=ppt/slides/slide51.xml><?xml version="1.0" encoding="utf-8"?>
+<file path=ppt/slides/slide52.xml><?xml version="1.0" encoding="utf-8"?>
 <p:sld xmlns:a="http://schemas.openxmlformats.org/drawingml/2006/main" xmlns:r="http://schemas.openxmlformats.org/officeDocument/2006/relationships" xmlns:p="http://schemas.openxmlformats.org/presentationml/2006/main">
   <p:cSld>
     <p:spTree>
@@ -15777,7 +15635,7 @@
 </p:sld>
 </file>
 
-<file path=ppt/slides/slide52.xml><?xml version="1.0" encoding="utf-8"?>
+<file path=ppt/slides/slide53.xml><?xml version="1.0" encoding="utf-8"?>
 <p:sld xmlns:a="http://schemas.openxmlformats.org/drawingml/2006/main" xmlns:r="http://schemas.openxmlformats.org/officeDocument/2006/relationships" xmlns:p="http://schemas.openxmlformats.org/presentationml/2006/main">
   <p:cSld>
     <p:spTree>
@@ -16363,7 +16221,7 @@
 </p:sld>
 </file>
 
-<file path=ppt/slides/slide53.xml><?xml version="1.0" encoding="utf-8"?>
+<file path=ppt/slides/slide54.xml><?xml version="1.0" encoding="utf-8"?>
 <p:sld xmlns:a="http://schemas.openxmlformats.org/drawingml/2006/main" xmlns:r="http://schemas.openxmlformats.org/officeDocument/2006/relationships" xmlns:p="http://schemas.openxmlformats.org/presentationml/2006/main">
   <p:cSld>
     <p:spTree>
@@ -16527,12 +16385,12 @@
       </p:grpSpPr>
       <p:pic xmlns:a="http://schemas.openxmlformats.org/drawingml/2006/main" xmlns:r="http://schemas.openxmlformats.org/officeDocument/2006/relationships" xmlns:p="http://schemas.openxmlformats.org/presentationml/2006/main">
         <p:nvPicPr>
-          <p:cNvPr id="2" name=""/>
+          <p:cNvPr id="2" name="Title 1"/>
           <p:cNvPicPr>
             <a:picLocks noGrp="1"/>
           </p:cNvPicPr>
           <p:nvPr>
-            <p:ph/>
+            <p:ph type="title"/>
           </p:nvPr>
         </p:nvPicPr>
         <p:blipFill>
@@ -16543,8 +16401,8 @@
         </p:blipFill>
         <p:spPr>
           <a:xfrm>
-            <a:off x="0" y="0"/>
-            <a:ext cx="9144000" cy="6858000"/>
+            <a:off x="457200" y="274638"/>
+            <a:ext cx="8449056" cy="6830568"/>
           </a:xfrm>
         </p:spPr>
       </p:pic>

--- a/results/2020/February/finalreport.pptx
+++ b/results/2020/February/finalreport.pptx
@@ -2381,12 +2381,12 @@
       </p:grpSpPr>
       <p:pic xmlns:a="http://schemas.openxmlformats.org/drawingml/2006/main" xmlns:r="http://schemas.openxmlformats.org/officeDocument/2006/relationships" xmlns:p="http://schemas.openxmlformats.org/presentationml/2006/main">
         <p:nvPicPr>
-          <p:cNvPr id="2" name=""/>
+          <p:cNvPr id="2" name="Content Placeholder 2"/>
           <p:cNvPicPr>
             <a:picLocks noGrp="1"/>
           </p:cNvPicPr>
           <p:nvPr>
-            <p:ph/>
+            <p:ph idx="1"/>
           </p:nvPr>
         </p:nvPicPr>
         <p:blipFill>
@@ -2397,11 +2397,38 @@
         </p:blipFill>
         <p:spPr>
           <a:xfrm>
-            <a:off x="0" y="0"/>
-            <a:ext cx="9144000" cy="6858000"/>
+            <a:off x="457200" y="1600200"/>
+            <a:ext cx="4983480" cy="4983480"/>
           </a:xfrm>
         </p:spPr>
       </p:pic>
+      <p:sp xmlns:a="http://schemas.openxmlformats.org/drawingml/2006/main" xmlns:r="http://schemas.openxmlformats.org/officeDocument/2006/relationships" xmlns:p="http://schemas.openxmlformats.org/presentationml/2006/main">
+        <p:nvSpPr>
+          <p:cNvPr id="3" name="Title 1"/>
+          <p:cNvSpPr>
+            <a:spLocks noGrp="1"/>
+          </p:cNvSpPr>
+          <p:nvPr>
+            <p:ph type="title"/>
+          </p:nvPr>
+        </p:nvSpPr>
+        <p:spPr>
+          <a:xfrm>
+            <a:off x="457200" y="274638"/>
+            <a:ext cx="8229600" cy="1143000"/>
+          </a:xfrm>
+        </p:spPr>
+        <p:txBody>
+          <a:bodyPr/>
+          <a:lstStyle/>
+          <a:p>
+            <a:r>
+              <a:rPr/>
+              <a:t>Forest Park Southeast High Cost Permits</a:t>
+            </a:r>
+          </a:p>
+        </p:txBody>
+      </p:sp>
     </p:spTree>
   </p:cSld>
   <p:clrMapOvr>
@@ -3537,14 +3564,41 @@
           <a:chExt cx="0" cy="0"/>
         </a:xfrm>
       </p:grpSpPr>
+      <p:sp xmlns:a="http://schemas.openxmlformats.org/drawingml/2006/main" xmlns:r="http://schemas.openxmlformats.org/officeDocument/2006/relationships" xmlns:p="http://schemas.openxmlformats.org/presentationml/2006/main">
+        <p:nvSpPr>
+          <p:cNvPr id="2" name="Title 1"/>
+          <p:cNvSpPr>
+            <a:spLocks noGrp="1"/>
+          </p:cNvSpPr>
+          <p:nvPr>
+            <p:ph type="title"/>
+          </p:nvPr>
+        </p:nvSpPr>
+        <p:spPr>
+          <a:xfrm>
+            <a:off x="457200" y="274638"/>
+            <a:ext cx="8229600" cy="1143000"/>
+          </a:xfrm>
+        </p:spPr>
+        <p:txBody>
+          <a:bodyPr/>
+          <a:lstStyle/>
+          <a:p>
+            <a:r>
+              <a:rPr/>
+              <a:t>Cental West End High Cost Permits</a:t>
+            </a:r>
+          </a:p>
+        </p:txBody>
+      </p:sp>
       <p:pic xmlns:a="http://schemas.openxmlformats.org/drawingml/2006/main" xmlns:r="http://schemas.openxmlformats.org/officeDocument/2006/relationships" xmlns:p="http://schemas.openxmlformats.org/presentationml/2006/main">
         <p:nvPicPr>
-          <p:cNvPr id="2" name=""/>
+          <p:cNvPr id="3" name="Content Placeholder 2"/>
           <p:cNvPicPr>
             <a:picLocks noGrp="1"/>
           </p:cNvPicPr>
           <p:nvPr>
-            <p:ph/>
+            <p:ph idx="1"/>
           </p:nvPr>
         </p:nvPicPr>
         <p:blipFill>
@@ -3555,8 +3609,8 @@
         </p:blipFill>
         <p:spPr>
           <a:xfrm>
-            <a:off x="0" y="0"/>
-            <a:ext cx="9144000" cy="6858000"/>
+            <a:off x="457200" y="1600200"/>
+            <a:ext cx="4983480" cy="4983480"/>
           </a:xfrm>
         </p:spPr>
       </p:pic>
@@ -4377,6 +4431,12 @@
               <a:t>Building permits that were cancelled were dropped</a:t>
             </a:r>
           </a:p>
+          <a:p>
+            <a:r>
+              <a:rPr/>
+              <a:t>Infinite change indicates 0 permits in the current or previous time period/comparison month so there was a overall increase or decrease</a:t>
+            </a:r>
+          </a:p>
         </p:txBody>
       </p:sp>
     </p:spTree>
@@ -4990,14 +5050,41 @@
           <a:chExt cx="0" cy="0"/>
         </a:xfrm>
       </p:grpSpPr>
+      <p:sp xmlns:a="http://schemas.openxmlformats.org/drawingml/2006/main" xmlns:r="http://schemas.openxmlformats.org/officeDocument/2006/relationships" xmlns:p="http://schemas.openxmlformats.org/presentationml/2006/main">
+        <p:nvSpPr>
+          <p:cNvPr id="2" name="Title 1"/>
+          <p:cNvSpPr>
+            <a:spLocks noGrp="1"/>
+          </p:cNvSpPr>
+          <p:nvPr>
+            <p:ph type="title"/>
+          </p:nvPr>
+        </p:nvSpPr>
+        <p:spPr>
+          <a:xfrm>
+            <a:off x="457200" y="274638"/>
+            <a:ext cx="8229600" cy="1143000"/>
+          </a:xfrm>
+        </p:spPr>
+        <p:txBody>
+          <a:bodyPr/>
+          <a:lstStyle/>
+          <a:p>
+            <a:r>
+              <a:rPr/>
+              <a:t>DeBaliviere Place High Cost Permits</a:t>
+            </a:r>
+          </a:p>
+        </p:txBody>
+      </p:sp>
       <p:pic xmlns:a="http://schemas.openxmlformats.org/drawingml/2006/main" xmlns:r="http://schemas.openxmlformats.org/officeDocument/2006/relationships" xmlns:p="http://schemas.openxmlformats.org/presentationml/2006/main">
         <p:nvPicPr>
-          <p:cNvPr id="2" name=""/>
+          <p:cNvPr id="3" name="Content Placeholder 2"/>
           <p:cNvPicPr>
             <a:picLocks noGrp="1"/>
           </p:cNvPicPr>
           <p:nvPr>
-            <p:ph/>
+            <p:ph idx="1"/>
           </p:nvPr>
         </p:nvPicPr>
         <p:blipFill>
@@ -5008,8 +5095,8 @@
         </p:blipFill>
         <p:spPr>
           <a:xfrm>
-            <a:off x="0" y="0"/>
-            <a:ext cx="9144000" cy="6858000"/>
+            <a:off x="457200" y="1600200"/>
+            <a:ext cx="4983480" cy="4983480"/>
           </a:xfrm>
         </p:spPr>
       </p:pic>
@@ -5957,14 +6044,41 @@
           <a:chExt cx="0" cy="0"/>
         </a:xfrm>
       </p:grpSpPr>
+      <p:sp xmlns:a="http://schemas.openxmlformats.org/drawingml/2006/main" xmlns:r="http://schemas.openxmlformats.org/officeDocument/2006/relationships" xmlns:p="http://schemas.openxmlformats.org/presentationml/2006/main">
+        <p:nvSpPr>
+          <p:cNvPr id="2" name="Title 1"/>
+          <p:cNvSpPr>
+            <a:spLocks noGrp="1"/>
+          </p:cNvSpPr>
+          <p:nvPr>
+            <p:ph type="title"/>
+          </p:nvPr>
+        </p:nvSpPr>
+        <p:spPr>
+          <a:xfrm>
+            <a:off x="457200" y="274638"/>
+            <a:ext cx="8229600" cy="1143000"/>
+          </a:xfrm>
+        </p:spPr>
+        <p:txBody>
+          <a:bodyPr/>
+          <a:lstStyle/>
+          <a:p>
+            <a:r>
+              <a:rPr/>
+              <a:t>Skinker DeBaliviere High Cost Permits</a:t>
+            </a:r>
+          </a:p>
+        </p:txBody>
+      </p:sp>
       <p:pic xmlns:a="http://schemas.openxmlformats.org/drawingml/2006/main" xmlns:r="http://schemas.openxmlformats.org/officeDocument/2006/relationships" xmlns:p="http://schemas.openxmlformats.org/presentationml/2006/main">
         <p:nvPicPr>
-          <p:cNvPr id="2" name=""/>
+          <p:cNvPr id="3" name="Content Placeholder 2"/>
           <p:cNvPicPr>
             <a:picLocks noGrp="1"/>
           </p:cNvPicPr>
           <p:nvPr>
-            <p:ph/>
+            <p:ph idx="1"/>
           </p:nvPr>
         </p:nvPicPr>
         <p:blipFill>
@@ -5975,8 +6089,8 @@
         </p:blipFill>
         <p:spPr>
           <a:xfrm>
-            <a:off x="0" y="0"/>
-            <a:ext cx="9144000" cy="6858000"/>
+            <a:off x="457200" y="1600200"/>
+            <a:ext cx="4983480" cy="4983480"/>
           </a:xfrm>
         </p:spPr>
       </p:pic>
@@ -6319,7 +6433,7 @@
           <a:p>
             <a:r>
               <a:rPr/>
-              <a:t>Neighborhood Summary</a:t>
+              <a:t>Neighborhood Summary: Average Building Permit Cost</a:t>
             </a:r>
           </a:p>
         </p:txBody>
@@ -9363,14 +9477,41 @@
           <a:chExt cx="0" cy="0"/>
         </a:xfrm>
       </p:grpSpPr>
+      <p:sp xmlns:a="http://schemas.openxmlformats.org/drawingml/2006/main" xmlns:r="http://schemas.openxmlformats.org/officeDocument/2006/relationships" xmlns:p="http://schemas.openxmlformats.org/presentationml/2006/main">
+        <p:nvSpPr>
+          <p:cNvPr id="2" name="Title 1"/>
+          <p:cNvSpPr>
+            <a:spLocks noGrp="1"/>
+          </p:cNvSpPr>
+          <p:nvPr>
+            <p:ph type="title"/>
+          </p:nvPr>
+        </p:nvSpPr>
+        <p:spPr>
+          <a:xfrm>
+            <a:off x="457200" y="274638"/>
+            <a:ext cx="8229600" cy="1143000"/>
+          </a:xfrm>
+        </p:spPr>
+        <p:txBody>
+          <a:bodyPr/>
+          <a:lstStyle/>
+          <a:p>
+            <a:r>
+              <a:rPr/>
+              <a:t>West End High Cost Permits</a:t>
+            </a:r>
+          </a:p>
+        </p:txBody>
+      </p:sp>
       <p:pic xmlns:a="http://schemas.openxmlformats.org/drawingml/2006/main" xmlns:r="http://schemas.openxmlformats.org/officeDocument/2006/relationships" xmlns:p="http://schemas.openxmlformats.org/presentationml/2006/main">
         <p:nvPicPr>
-          <p:cNvPr id="2" name=""/>
+          <p:cNvPr id="3" name="Content Placeholder 2"/>
           <p:cNvPicPr>
             <a:picLocks noGrp="1"/>
           </p:cNvPicPr>
           <p:nvPr>
-            <p:ph/>
+            <p:ph idx="1"/>
           </p:nvPr>
         </p:nvPicPr>
         <p:blipFill>
@@ -9381,8 +9522,8 @@
         </p:blipFill>
         <p:spPr>
           <a:xfrm>
-            <a:off x="0" y="0"/>
-            <a:ext cx="9144000" cy="6858000"/>
+            <a:off x="457200" y="1600200"/>
+            <a:ext cx="4983480" cy="4983480"/>
           </a:xfrm>
         </p:spPr>
       </p:pic>
@@ -9466,7 +9607,7 @@
           <a:p>
             <a:r>
               <a:rPr/>
-              <a:t>Inf change compared to February 2019 (0 total building permits)</a:t>
+              <a:t>Infinite change compared to February 2019 (0 total building permits)</a:t>
             </a:r>
           </a:p>
           <a:p>
@@ -9478,7 +9619,7 @@
           <a:p>
             <a:r>
               <a:rPr/>
-              <a:t>NaN change compared to February 2019 (NaN)</a:t>
+              <a:t>Infinite change compared to February 2019 ($0)</a:t>
             </a:r>
           </a:p>
         </p:txBody>
@@ -9563,7 +9704,7 @@
           <a:p>
             <a:r>
               <a:rPr/>
-              <a:t>Inf change compared to this time in 2019 (0 total building permits)</a:t>
+              <a:t>Infinite change compared to this time in 2019 (0 total building permits)</a:t>
             </a:r>
           </a:p>
           <a:p>
@@ -9575,7 +9716,7 @@
           <a:p>
             <a:r>
               <a:rPr/>
-              <a:t>NaN change compared to this time in 2019 (NaN)</a:t>
+              <a:t>Infinite change compared to this time in 2019 ($0)</a:t>
             </a:r>
           </a:p>
         </p:txBody>
@@ -10725,14 +10866,41 @@
           <a:chExt cx="0" cy="0"/>
         </a:xfrm>
       </p:grpSpPr>
+      <p:sp xmlns:a="http://schemas.openxmlformats.org/drawingml/2006/main" xmlns:r="http://schemas.openxmlformats.org/officeDocument/2006/relationships" xmlns:p="http://schemas.openxmlformats.org/presentationml/2006/main">
+        <p:nvSpPr>
+          <p:cNvPr id="2" name="Title 1"/>
+          <p:cNvSpPr>
+            <a:spLocks noGrp="1"/>
+          </p:cNvSpPr>
+          <p:nvPr>
+            <p:ph type="title"/>
+          </p:nvPr>
+        </p:nvSpPr>
+        <p:spPr>
+          <a:xfrm>
+            <a:off x="457200" y="274638"/>
+            <a:ext cx="8229600" cy="1143000"/>
+          </a:xfrm>
+        </p:spPr>
+        <p:txBody>
+          <a:bodyPr/>
+          <a:lstStyle/>
+          <a:p>
+            <a:r>
+              <a:rPr/>
+              <a:t>Visitation Park High Cost Permits</a:t>
+            </a:r>
+          </a:p>
+        </p:txBody>
+      </p:sp>
       <p:pic xmlns:a="http://schemas.openxmlformats.org/drawingml/2006/main" xmlns:r="http://schemas.openxmlformats.org/officeDocument/2006/relationships" xmlns:p="http://schemas.openxmlformats.org/presentationml/2006/main">
         <p:nvPicPr>
-          <p:cNvPr id="2" name=""/>
+          <p:cNvPr id="3" name="Content Placeholder 2"/>
           <p:cNvPicPr>
             <a:picLocks noGrp="1"/>
           </p:cNvPicPr>
           <p:nvPr>
-            <p:ph/>
+            <p:ph idx="1"/>
           </p:nvPr>
         </p:nvPicPr>
         <p:blipFill>
@@ -10743,8 +10911,8 @@
         </p:blipFill>
         <p:spPr>
           <a:xfrm>
-            <a:off x="0" y="0"/>
-            <a:ext cx="9144000" cy="6858000"/>
+            <a:off x="457200" y="1600200"/>
+            <a:ext cx="4983480" cy="4983480"/>
           </a:xfrm>
         </p:spPr>
       </p:pic>
@@ -14391,14 +14559,41 @@
           <a:chExt cx="0" cy="0"/>
         </a:xfrm>
       </p:grpSpPr>
+      <p:sp xmlns:a="http://schemas.openxmlformats.org/drawingml/2006/main" xmlns:r="http://schemas.openxmlformats.org/officeDocument/2006/relationships" xmlns:p="http://schemas.openxmlformats.org/presentationml/2006/main">
+        <p:nvSpPr>
+          <p:cNvPr id="2" name="Title 1"/>
+          <p:cNvSpPr>
+            <a:spLocks noGrp="1"/>
+          </p:cNvSpPr>
+          <p:nvPr>
+            <p:ph type="title"/>
+          </p:nvPr>
+        </p:nvSpPr>
+        <p:spPr>
+          <a:xfrm>
+            <a:off x="457200" y="274638"/>
+            <a:ext cx="8229600" cy="1143000"/>
+          </a:xfrm>
+        </p:spPr>
+        <p:txBody>
+          <a:bodyPr/>
+          <a:lstStyle/>
+          <a:p>
+            <a:r>
+              <a:rPr/>
+              <a:t>Academy High Cost Permits</a:t>
+            </a:r>
+          </a:p>
+        </p:txBody>
+      </p:sp>
       <p:pic xmlns:a="http://schemas.openxmlformats.org/drawingml/2006/main" xmlns:r="http://schemas.openxmlformats.org/officeDocument/2006/relationships" xmlns:p="http://schemas.openxmlformats.org/presentationml/2006/main">
         <p:nvPicPr>
-          <p:cNvPr id="2" name=""/>
+          <p:cNvPr id="3" name="Content Placeholder 2"/>
           <p:cNvPicPr>
             <a:picLocks noGrp="1"/>
           </p:cNvPicPr>
           <p:nvPr>
-            <p:ph/>
+            <p:ph idx="1"/>
           </p:nvPr>
         </p:nvPicPr>
         <p:blipFill>
@@ -14409,8 +14604,8 @@
         </p:blipFill>
         <p:spPr>
           <a:xfrm>
-            <a:off x="0" y="0"/>
-            <a:ext cx="9144000" cy="6858000"/>
+            <a:off x="457200" y="1600200"/>
+            <a:ext cx="4983480" cy="4983480"/>
           </a:xfrm>
         </p:spPr>
       </p:pic>
@@ -14494,19 +14689,19 @@
           <a:p>
             <a:r>
               <a:rPr/>
-              <a:t>NaN change compared to February 2019 (0 total building permits)</a:t>
+              <a:t>0.00% change compared to February 2019 (0 total building permits)</a:t>
             </a:r>
           </a:p>
           <a:p>
             <a:r>
               <a:rPr/>
-              <a:t>NaN : Average building permit cost in Fountain Park in February 2020</a:t>
+              <a:t>$0 : Average building permit cost in Fountain Park in February 2020</a:t>
             </a:r>
           </a:p>
           <a:p>
             <a:r>
               <a:rPr/>
-              <a:t>NaN change compared to February 2019 (NaN)</a:t>
+              <a:t>0.00% change compared to February 2019 ($0)</a:t>
             </a:r>
           </a:p>
         </p:txBody>
@@ -14603,7 +14798,7 @@
           <a:p>
             <a:r>
               <a:rPr/>
-              <a:t>NaN change compared to this time in 2019 ($500)</a:t>
+              <a:t>0.00% change compared to this time in 2019 ($500)</a:t>
             </a:r>
           </a:p>
         </p:txBody>
@@ -14694,13 +14889,13 @@
           <a:p>
             <a:r>
               <a:rPr/>
-              <a:t>NaN : Average building permit cost in Lewis Place in February 2020</a:t>
+              <a:t>$0 : Average building permit cost in Lewis Place in February 2020</a:t>
             </a:r>
           </a:p>
           <a:p>
             <a:r>
               <a:rPr/>
-              <a:t>NaN change compared to February 2019 ($2,367)</a:t>
+              <a:t>-100.00% change compared to February 2019 ($2,367)</a:t>
             </a:r>
           </a:p>
         </p:txBody>
@@ -16238,14 +16433,41 @@
           <a:chExt cx="0" cy="0"/>
         </a:xfrm>
       </p:grpSpPr>
+      <p:sp xmlns:a="http://schemas.openxmlformats.org/drawingml/2006/main" xmlns:r="http://schemas.openxmlformats.org/officeDocument/2006/relationships" xmlns:p="http://schemas.openxmlformats.org/presentationml/2006/main">
+        <p:nvSpPr>
+          <p:cNvPr id="2" name="Title 1"/>
+          <p:cNvSpPr>
+            <a:spLocks noGrp="1"/>
+          </p:cNvSpPr>
+          <p:nvPr>
+            <p:ph type="title"/>
+          </p:nvPr>
+        </p:nvSpPr>
+        <p:spPr>
+          <a:xfrm>
+            <a:off x="457200" y="274638"/>
+            <a:ext cx="8229600" cy="1143000"/>
+          </a:xfrm>
+        </p:spPr>
+        <p:txBody>
+          <a:bodyPr/>
+          <a:lstStyle/>
+          <a:p>
+            <a:r>
+              <a:rPr/>
+              <a:t>Vandeventer High Cost Permits</a:t>
+            </a:r>
+          </a:p>
+        </p:txBody>
+      </p:sp>
       <p:pic xmlns:a="http://schemas.openxmlformats.org/drawingml/2006/main" xmlns:r="http://schemas.openxmlformats.org/officeDocument/2006/relationships" xmlns:p="http://schemas.openxmlformats.org/presentationml/2006/main">
         <p:nvPicPr>
-          <p:cNvPr id="2" name=""/>
+          <p:cNvPr id="3" name="Content Placeholder 2"/>
           <p:cNvPicPr>
             <a:picLocks noGrp="1"/>
           </p:cNvPicPr>
           <p:nvPr>
-            <p:ph/>
+            <p:ph idx="1"/>
           </p:nvPr>
         </p:nvPicPr>
         <p:blipFill>
@@ -16256,8 +16478,8 @@
         </p:blipFill>
         <p:spPr>
           <a:xfrm>
-            <a:off x="0" y="0"/>
-            <a:ext cx="9144000" cy="6858000"/>
+            <a:off x="457200" y="1600200"/>
+            <a:ext cx="4983480" cy="4983480"/>
           </a:xfrm>
         </p:spPr>
       </p:pic>

--- a/results/2020/February/finalreport.pptx
+++ b/results/2020/February/finalreport.pptx
@@ -14792,13 +14792,13 @@
           <a:p>
             <a:r>
               <a:rPr/>
-              <a:t>NaN : Average building permit cost in Fountain Park in 2020</a:t>
+              <a:t>$0 : Average building permit cost in Fountain Park in 2020</a:t>
             </a:r>
           </a:p>
           <a:p>
             <a:r>
               <a:rPr/>
-              <a:t>0.00% change compared to this time in 2019 ($500)</a:t>
+              <a:t>-100.00% change compared to this time in 2019 ($500)</a:t>
             </a:r>
           </a:p>
         </p:txBody>
